--- a/reference_content/Slides/text_gen_lstm.pptx
+++ b/reference_content/Slides/text_gen_lstm.pptx
@@ -9,17 +9,22 @@
     <p:sldId id="256" r:id="rId3"/>
     <p:sldId id="258" r:id="rId4"/>
     <p:sldId id="259" r:id="rId5"/>
-    <p:sldId id="257" r:id="rId6"/>
-    <p:sldId id="260" r:id="rId7"/>
-    <p:sldId id="262" r:id="rId8"/>
-    <p:sldId id="261" r:id="rId9"/>
-    <p:sldId id="263" r:id="rId10"/>
-    <p:sldId id="264" r:id="rId11"/>
-    <p:sldId id="265" r:id="rId12"/>
-    <p:sldId id="266" r:id="rId13"/>
-    <p:sldId id="267" r:id="rId14"/>
-    <p:sldId id="268" r:id="rId15"/>
-    <p:sldId id="269" r:id="rId16"/>
+    <p:sldId id="272" r:id="rId6"/>
+    <p:sldId id="273" r:id="rId7"/>
+    <p:sldId id="257" r:id="rId8"/>
+    <p:sldId id="260" r:id="rId9"/>
+    <p:sldId id="262" r:id="rId10"/>
+    <p:sldId id="261" r:id="rId11"/>
+    <p:sldId id="263" r:id="rId12"/>
+    <p:sldId id="264" r:id="rId13"/>
+    <p:sldId id="274" r:id="rId14"/>
+    <p:sldId id="265" r:id="rId15"/>
+    <p:sldId id="266" r:id="rId16"/>
+    <p:sldId id="267" r:id="rId17"/>
+    <p:sldId id="268" r:id="rId18"/>
+    <p:sldId id="275" r:id="rId19"/>
+    <p:sldId id="271" r:id="rId20"/>
+    <p:sldId id="269" r:id="rId21"/>
   </p:sldIdLst>
   <p:sldSz cx="12192000" cy="6858000"/>
   <p:notesSz cx="6858000" cy="9144000"/>
@@ -118,6 +123,11 @@
       </a:defRPr>
     </a:lvl9pPr>
   </p:defaultTextStyle>
+  <p:extLst>
+    <p:ext uri="{EFAFB233-063F-42B5-8137-9DF3F51BA10A}">
+      <p15:sldGuideLst xmlns:p15="http://schemas.microsoft.com/office/powerpoint/2012/main"/>
+    </p:ext>
+  </p:extLst>
 </p:presentation>
 </file>
 
@@ -260,7 +270,7 @@
           <a:p>
             <a:fld id="{34DF02AF-78C0-C14E-AD4B-AA630D193019}" type="datetimeFigureOut">
               <a:rPr lang="en-US" smtClean="0"/>
-              <a:t>4/18/24</a:t>
+              <a:t>4/15/25</a:t>
             </a:fld>
             <a:endParaRPr lang="en-US"/>
           </a:p>
@@ -471,7 +481,7 @@
           <a:p>
             <a:fld id="{34DF02AF-78C0-C14E-AD4B-AA630D193019}" type="datetimeFigureOut">
               <a:rPr lang="en-US" smtClean="0"/>
-              <a:t>4/18/24</a:t>
+              <a:t>4/15/25</a:t>
             </a:fld>
             <a:endParaRPr lang="en-US"/>
           </a:p>
@@ -686,7 +696,7 @@
           <a:p>
             <a:fld id="{34DF02AF-78C0-C14E-AD4B-AA630D193019}" type="datetimeFigureOut">
               <a:rPr lang="en-US" smtClean="0"/>
-              <a:t>4/18/24</a:t>
+              <a:t>4/15/25</a:t>
             </a:fld>
             <a:endParaRPr lang="en-US"/>
           </a:p>
@@ -887,7 +897,7 @@
           <a:p>
             <a:fld id="{34DF02AF-78C0-C14E-AD4B-AA630D193019}" type="datetimeFigureOut">
               <a:rPr lang="en-US" smtClean="0"/>
-              <a:t>4/18/24</a:t>
+              <a:t>4/15/25</a:t>
             </a:fld>
             <a:endParaRPr lang="en-US"/>
           </a:p>
@@ -1166,7 +1176,7 @@
           <a:p>
             <a:fld id="{34DF02AF-78C0-C14E-AD4B-AA630D193019}" type="datetimeFigureOut">
               <a:rPr lang="en-US" smtClean="0"/>
-              <a:t>4/18/24</a:t>
+              <a:t>4/15/25</a:t>
             </a:fld>
             <a:endParaRPr lang="en-US"/>
           </a:p>
@@ -1434,7 +1444,7 @@
           <a:p>
             <a:fld id="{34DF02AF-78C0-C14E-AD4B-AA630D193019}" type="datetimeFigureOut">
               <a:rPr lang="en-US" smtClean="0"/>
-              <a:t>4/18/24</a:t>
+              <a:t>4/15/25</a:t>
             </a:fld>
             <a:endParaRPr lang="en-US"/>
           </a:p>
@@ -1850,7 +1860,7 @@
           <a:p>
             <a:fld id="{34DF02AF-78C0-C14E-AD4B-AA630D193019}" type="datetimeFigureOut">
               <a:rPr lang="en-US" smtClean="0"/>
-              <a:t>4/18/24</a:t>
+              <a:t>4/15/25</a:t>
             </a:fld>
             <a:endParaRPr lang="en-US"/>
           </a:p>
@@ -1999,7 +2009,7 @@
           <a:p>
             <a:fld id="{34DF02AF-78C0-C14E-AD4B-AA630D193019}" type="datetimeFigureOut">
               <a:rPr lang="en-US" smtClean="0"/>
-              <a:t>4/18/24</a:t>
+              <a:t>4/15/25</a:t>
             </a:fld>
             <a:endParaRPr lang="en-US"/>
           </a:p>
@@ -2125,7 +2135,7 @@
           <a:p>
             <a:fld id="{34DF02AF-78C0-C14E-AD4B-AA630D193019}" type="datetimeFigureOut">
               <a:rPr lang="en-US" smtClean="0"/>
-              <a:t>4/18/24</a:t>
+              <a:t>4/15/25</a:t>
             </a:fld>
             <a:endParaRPr lang="en-US"/>
           </a:p>
@@ -2376,7 +2386,7 @@
           <a:p>
             <a:fld id="{34DF02AF-78C0-C14E-AD4B-AA630D193019}" type="datetimeFigureOut">
               <a:rPr lang="en-US" smtClean="0"/>
-              <a:t>4/18/24</a:t>
+              <a:t>4/15/25</a:t>
             </a:fld>
             <a:endParaRPr lang="en-US"/>
           </a:p>
@@ -2821,7 +2831,7 @@
           <a:p>
             <a:fld id="{34DF02AF-78C0-C14E-AD4B-AA630D193019}" type="datetimeFigureOut">
               <a:rPr lang="en-US" smtClean="0"/>
-              <a:t>4/18/24</a:t>
+              <a:t>4/15/25</a:t>
             </a:fld>
             <a:endParaRPr lang="en-US"/>
           </a:p>
@@ -3148,7 +3158,7 @@
           <a:p>
             <a:fld id="{34DF02AF-78C0-C14E-AD4B-AA630D193019}" type="datetimeFigureOut">
               <a:rPr lang="en-US" smtClean="0"/>
-              <a:t>4/18/24</a:t>
+              <a:t>4/15/25</a:t>
             </a:fld>
             <a:endParaRPr lang="en-US"/>
           </a:p>
@@ -3764,6 +3774,296 @@
           <p:cNvPr id="2" name="Title 1">
             <a:extLst>
               <a:ext uri="{FF2B5EF4-FFF2-40B4-BE49-F238E27FC236}">
+                <a16:creationId xmlns:a16="http://schemas.microsoft.com/office/drawing/2014/main" id="{1F4CF4EA-3A46-26F9-792C-FD0FF8FF9B38}"/>
+              </a:ext>
+            </a:extLst>
+          </p:cNvPr>
+          <p:cNvSpPr>
+            <a:spLocks noGrp="1"/>
+          </p:cNvSpPr>
+          <p:nvPr>
+            <p:ph type="title"/>
+          </p:nvPr>
+        </p:nvSpPr>
+        <p:spPr/>
+        <p:txBody>
+          <a:bodyPr/>
+          <a:lstStyle/>
+          <a:p>
+            <a:r>
+              <a:rPr lang="en-US" dirty="0"/>
+              <a:t>Data Configuration</a:t>
+            </a:r>
+          </a:p>
+        </p:txBody>
+      </p:sp>
+      <p:sp>
+        <p:nvSpPr>
+          <p:cNvPr id="3" name="Content Placeholder 2">
+            <a:extLst>
+              <a:ext uri="{FF2B5EF4-FFF2-40B4-BE49-F238E27FC236}">
+                <a16:creationId xmlns:a16="http://schemas.microsoft.com/office/drawing/2014/main" id="{8E3F54A8-164F-FB79-64F9-29A5F4BA513C}"/>
+              </a:ext>
+            </a:extLst>
+          </p:cNvPr>
+          <p:cNvSpPr>
+            <a:spLocks noGrp="1"/>
+          </p:cNvSpPr>
+          <p:nvPr>
+            <p:ph idx="1"/>
+          </p:nvPr>
+        </p:nvSpPr>
+        <p:spPr>
+          <a:xfrm>
+            <a:off x="1451579" y="2015732"/>
+            <a:ext cx="9603275" cy="4037749"/>
+          </a:xfrm>
+        </p:spPr>
+        <p:txBody>
+          <a:bodyPr/>
+          <a:lstStyle/>
+          <a:p>
+            <a:r>
+              <a:rPr lang="en-US" dirty="0"/>
+              <a:t>Our data again needs to be processed and reshaped. </a:t>
+            </a:r>
+          </a:p>
+          <a:p>
+            <a:r>
+              <a:rPr lang="en-US" dirty="0"/>
+              <a:t>We need to strip and tokenize the data. (This changes with ‘good’ models as they predict things like commas). </a:t>
+            </a:r>
+          </a:p>
+          <a:p>
+            <a:r>
+              <a:rPr lang="en-US" dirty="0"/>
+              <a:t>We need to shape the data. </a:t>
+            </a:r>
+          </a:p>
+          <a:p>
+            <a:pPr lvl="1"/>
+            <a:r>
+              <a:rPr lang="en-US" dirty="0"/>
+              <a:t>X – previous M tokens. </a:t>
+            </a:r>
+          </a:p>
+          <a:p>
+            <a:pPr lvl="1"/>
+            <a:r>
+              <a:rPr lang="en-US" dirty="0"/>
+              <a:t>T – next N tokens. </a:t>
+            </a:r>
+          </a:p>
+          <a:p>
+            <a:r>
+              <a:rPr lang="en-US" dirty="0"/>
+              <a:t>We need to </a:t>
+            </a:r>
+            <a:r>
+              <a:rPr lang="en-US" b="1" i="1" dirty="0"/>
+              <a:t>pad</a:t>
+            </a:r>
+            <a:r>
+              <a:rPr lang="en-US" dirty="0"/>
+              <a:t> the data, or make every record the same length. </a:t>
+            </a:r>
+          </a:p>
+          <a:p>
+            <a:pPr lvl="1"/>
+            <a:r>
+              <a:rPr lang="en-US" dirty="0"/>
+              <a:t>Models need fixed size data, but sentences are any length. </a:t>
+            </a:r>
+          </a:p>
+          <a:p>
+            <a:pPr lvl="1"/>
+            <a:r>
+              <a:rPr lang="en-US" dirty="0"/>
+              <a:t>We add blanks to either end to standardize the length. </a:t>
+            </a:r>
+          </a:p>
+        </p:txBody>
+      </p:sp>
+    </p:spTree>
+    <p:extLst>
+      <p:ext uri="{BB962C8B-B14F-4D97-AF65-F5344CB8AC3E}">
+        <p14:creationId xmlns:p14="http://schemas.microsoft.com/office/powerpoint/2010/main" val="3626877784"/>
+      </p:ext>
+    </p:extLst>
+  </p:cSld>
+  <p:clrMapOvr>
+    <a:masterClrMapping/>
+  </p:clrMapOvr>
+</p:sld>
+</file>
+
+<file path=ppt/slides/slide11.xml><?xml version="1.0" encoding="utf-8"?>
+<p:sld xmlns:a="http://schemas.openxmlformats.org/drawingml/2006/main" xmlns:r="http://schemas.openxmlformats.org/officeDocument/2006/relationships" xmlns:p="http://schemas.openxmlformats.org/presentationml/2006/main">
+  <p:cSld>
+    <p:spTree>
+      <p:nvGrpSpPr>
+        <p:cNvPr id="1" name=""/>
+        <p:cNvGrpSpPr/>
+        <p:nvPr/>
+      </p:nvGrpSpPr>
+      <p:grpSpPr>
+        <a:xfrm>
+          <a:off x="0" y="0"/>
+          <a:ext cx="0" cy="0"/>
+          <a:chOff x="0" y="0"/>
+          <a:chExt cx="0" cy="0"/>
+        </a:xfrm>
+      </p:grpSpPr>
+      <p:sp>
+        <p:nvSpPr>
+          <p:cNvPr id="2" name="Title 1">
+            <a:extLst>
+              <a:ext uri="{FF2B5EF4-FFF2-40B4-BE49-F238E27FC236}">
+                <a16:creationId xmlns:a16="http://schemas.microsoft.com/office/drawing/2014/main" id="{35228988-839A-1801-F457-954CBC7E27CC}"/>
+              </a:ext>
+            </a:extLst>
+          </p:cNvPr>
+          <p:cNvSpPr>
+            <a:spLocks noGrp="1"/>
+          </p:cNvSpPr>
+          <p:nvPr>
+            <p:ph type="title"/>
+          </p:nvPr>
+        </p:nvSpPr>
+        <p:spPr/>
+        <p:txBody>
+          <a:bodyPr/>
+          <a:lstStyle/>
+          <a:p>
+            <a:r>
+              <a:rPr lang="en-US" dirty="0"/>
+              <a:t>Padding</a:t>
+            </a:r>
+          </a:p>
+        </p:txBody>
+      </p:sp>
+      <p:sp>
+        <p:nvSpPr>
+          <p:cNvPr id="3" name="Content Placeholder 2">
+            <a:extLst>
+              <a:ext uri="{FF2B5EF4-FFF2-40B4-BE49-F238E27FC236}">
+                <a16:creationId xmlns:a16="http://schemas.microsoft.com/office/drawing/2014/main" id="{1937B256-DC1A-31C0-E7E2-0711A88E4A2A}"/>
+              </a:ext>
+            </a:extLst>
+          </p:cNvPr>
+          <p:cNvSpPr>
+            <a:spLocks noGrp="1"/>
+          </p:cNvSpPr>
+          <p:nvPr>
+            <p:ph idx="1"/>
+          </p:nvPr>
+        </p:nvSpPr>
+        <p:spPr/>
+        <p:txBody>
+          <a:bodyPr/>
+          <a:lstStyle/>
+          <a:p>
+            <a:r>
+              <a:rPr lang="en-US" dirty="0"/>
+              <a:t>Padding makes each tokenized text record into a set length. </a:t>
+            </a:r>
+          </a:p>
+          <a:p>
+            <a:r>
+              <a:rPr lang="en-US" dirty="0"/>
+              <a:t>Padding adds 0s either at the end or at the beginning of the text to fill it. </a:t>
+            </a:r>
+          </a:p>
+          <a:p>
+            <a:r>
+              <a:rPr lang="en-US" dirty="0"/>
+              <a:t>For generation, we want to pad at the beginning, as we want the ‘next’ item. </a:t>
+            </a:r>
+          </a:p>
+        </p:txBody>
+      </p:sp>
+      <p:pic>
+        <p:nvPicPr>
+          <p:cNvPr id="3074" name="Picture 2" descr="Keras text preprocessing and image preprocessing - DWBI Technologies">
+            <a:extLst>
+              <a:ext uri="{FF2B5EF4-FFF2-40B4-BE49-F238E27FC236}">
+                <a16:creationId xmlns:a16="http://schemas.microsoft.com/office/drawing/2014/main" id="{17ADFC3D-CF04-51BD-AADE-BC118B4EF912}"/>
+              </a:ext>
+            </a:extLst>
+          </p:cNvPr>
+          <p:cNvPicPr>
+            <a:picLocks noChangeAspect="1" noChangeArrowheads="1"/>
+          </p:cNvPicPr>
+          <p:nvPr/>
+        </p:nvPicPr>
+        <p:blipFill>
+          <a:blip r:embed="rId2">
+            <a:extLst>
+              <a:ext uri="{28A0092B-C50C-407E-A947-70E740481C1C}">
+                <a14:useLocalDpi xmlns:a14="http://schemas.microsoft.com/office/drawing/2010/main" val="0"/>
+              </a:ext>
+            </a:extLst>
+          </a:blip>
+          <a:srcRect/>
+          <a:stretch>
+            <a:fillRect/>
+          </a:stretch>
+        </p:blipFill>
+        <p:spPr bwMode="auto">
+          <a:xfrm>
+            <a:off x="1802088" y="3429000"/>
+            <a:ext cx="8902255" cy="3373120"/>
+          </a:xfrm>
+          <a:prstGeom prst="rect">
+            <a:avLst/>
+          </a:prstGeom>
+          <a:noFill/>
+          <a:extLst>
+            <a:ext uri="{909E8E84-426E-40DD-AFC4-6F175D3DCCD1}">
+              <a14:hiddenFill xmlns:a14="http://schemas.microsoft.com/office/drawing/2010/main">
+                <a:solidFill>
+                  <a:srgbClr val="FFFFFF"/>
+                </a:solidFill>
+              </a14:hiddenFill>
+            </a:ext>
+          </a:extLst>
+        </p:spPr>
+      </p:pic>
+    </p:spTree>
+    <p:extLst>
+      <p:ext uri="{BB962C8B-B14F-4D97-AF65-F5344CB8AC3E}">
+        <p14:creationId xmlns:p14="http://schemas.microsoft.com/office/powerpoint/2010/main" val="2829426510"/>
+      </p:ext>
+    </p:extLst>
+  </p:cSld>
+  <p:clrMapOvr>
+    <a:masterClrMapping/>
+  </p:clrMapOvr>
+</p:sld>
+</file>
+
+<file path=ppt/slides/slide12.xml><?xml version="1.0" encoding="utf-8"?>
+<p:sld xmlns:a="http://schemas.openxmlformats.org/drawingml/2006/main" xmlns:r="http://schemas.openxmlformats.org/officeDocument/2006/relationships" xmlns:p="http://schemas.openxmlformats.org/presentationml/2006/main">
+  <p:cSld>
+    <p:spTree>
+      <p:nvGrpSpPr>
+        <p:cNvPr id="1" name=""/>
+        <p:cNvGrpSpPr/>
+        <p:nvPr/>
+      </p:nvGrpSpPr>
+      <p:grpSpPr>
+        <a:xfrm>
+          <a:off x="0" y="0"/>
+          <a:ext cx="0" cy="0"/>
+          <a:chOff x="0" y="0"/>
+          <a:chExt cx="0" cy="0"/>
+        </a:xfrm>
+      </p:grpSpPr>
+      <p:sp>
+        <p:nvSpPr>
+          <p:cNvPr id="2" name="Title 1">
+            <a:extLst>
+              <a:ext uri="{FF2B5EF4-FFF2-40B4-BE49-F238E27FC236}">
                 <a16:creationId xmlns:a16="http://schemas.microsoft.com/office/drawing/2014/main" id="{A55DDFA4-393E-5110-6900-68096A021D55}"/>
               </a:ext>
             </a:extLst>
@@ -3896,7 +4196,7 @@
 </p:sld>
 </file>
 
-<file path=ppt/slides/slide11.xml><?xml version="1.0" encoding="utf-8"?>
+<file path=ppt/slides/slide13.xml><?xml version="1.0" encoding="utf-8"?>
 <p:sld xmlns:a="http://schemas.openxmlformats.org/drawingml/2006/main" xmlns:r="http://schemas.openxmlformats.org/officeDocument/2006/relationships" xmlns:p="http://schemas.openxmlformats.org/presentationml/2006/main">
   <p:cSld>
     <p:spTree>
@@ -3918,7 +4218,7 @@
           <p:cNvPr id="2" name="Title 1">
             <a:extLst>
               <a:ext uri="{FF2B5EF4-FFF2-40B4-BE49-F238E27FC236}">
-                <a16:creationId xmlns:a16="http://schemas.microsoft.com/office/drawing/2014/main" id="{38C96FF3-69E9-A64D-99BE-2F7691D36E32}"/>
+                <a16:creationId xmlns:a16="http://schemas.microsoft.com/office/drawing/2014/main" id="{48561A49-B251-0F54-6410-F75A8832D52A}"/>
               </a:ext>
             </a:extLst>
           </p:cNvPr>
@@ -3936,7 +4236,7 @@
           <a:p>
             <a:r>
               <a:rPr lang="en-US" dirty="0"/>
-              <a:t>Language Model Notes</a:t>
+              <a:t>Embedding</a:t>
             </a:r>
           </a:p>
         </p:txBody>
@@ -3946,7 +4246,7 @@
           <p:cNvPr id="3" name="Content Placeholder 2">
             <a:extLst>
               <a:ext uri="{FF2B5EF4-FFF2-40B4-BE49-F238E27FC236}">
-                <a16:creationId xmlns:a16="http://schemas.microsoft.com/office/drawing/2014/main" id="{ADBB1894-E1A6-0D07-7927-6D634344EC7E}"/>
+                <a16:creationId xmlns:a16="http://schemas.microsoft.com/office/drawing/2014/main" id="{F299DC87-C8DB-CA2C-8040-62F5D13F24EB}"/>
               </a:ext>
             </a:extLst>
           </p:cNvPr>
@@ -3959,8 +4259,8 @@
         </p:nvSpPr>
         <p:spPr>
           <a:xfrm>
-            <a:off x="1451579" y="2015732"/>
-            <a:ext cx="9603275" cy="3981208"/>
+            <a:off x="132347" y="2015732"/>
+            <a:ext cx="7873823" cy="4037749"/>
           </a:xfrm>
         </p:spPr>
         <p:txBody>
@@ -3969,63 +4269,99 @@
           <a:p>
             <a:r>
               <a:rPr lang="en-US" dirty="0"/>
-              <a:t>This is very simple processing for text, for a simple model. </a:t>
-            </a:r>
-          </a:p>
-          <a:p>
-            <a:r>
-              <a:rPr lang="en-US" dirty="0"/>
-              <a:t>In larger models, the data preparation is different. </a:t>
-            </a:r>
-          </a:p>
-          <a:p>
-            <a:pPr lvl="1"/>
-            <a:r>
-              <a:rPr lang="en-US" dirty="0"/>
-              <a:t>Construction of the datasets is potentially a lot of work. </a:t>
-            </a:r>
-          </a:p>
-          <a:p>
-            <a:pPr lvl="1"/>
-            <a:r>
-              <a:rPr lang="en-US" dirty="0"/>
-              <a:t>Specific applications like chatbots may need to restructure data into prompt-response. </a:t>
-            </a:r>
-          </a:p>
-          <a:p>
-            <a:pPr lvl="1"/>
-            <a:r>
-              <a:rPr lang="en-US" dirty="0"/>
-              <a:t>Other models are commonly used to help process the massive amount of data. </a:t>
-            </a:r>
-          </a:p>
-          <a:p>
-            <a:pPr lvl="1"/>
-            <a:r>
-              <a:rPr lang="en-US" dirty="0"/>
-              <a:t>The dataset is massive, and may only have one or two epochs. </a:t>
-            </a:r>
-          </a:p>
-          <a:p>
-            <a:r>
-              <a:rPr lang="en-US" dirty="0"/>
-              <a:t>Large/smart models also have an assortment of things done to make them faster and better – reinforcement, specialized ‘sub-models’ (mixture of experts), </a:t>
-            </a:r>
-            <a:r>
-              <a:rPr lang="en-US" dirty="0" err="1"/>
-              <a:t>etc</a:t>
-            </a:r>
-            <a:r>
-              <a:rPr lang="en-US" dirty="0"/>
-              <a:t>…</a:t>
-            </a:r>
-          </a:p>
-        </p:txBody>
-      </p:sp>
+              <a:t>To make things useful, we need to generate embeddings for the tokens. </a:t>
+            </a:r>
+          </a:p>
+          <a:p>
+            <a:r>
+              <a:rPr lang="en-US" dirty="0"/>
+              <a:t>This can be done in any way – we’ll use an embedding layer. </a:t>
+            </a:r>
+          </a:p>
+          <a:p>
+            <a:pPr lvl="1"/>
+            <a:r>
+              <a:rPr lang="en-US" dirty="0"/>
+              <a:t>Can download and use embedding space pre-made, such as word2vec.</a:t>
+            </a:r>
+          </a:p>
+          <a:p>
+            <a:r>
+              <a:rPr lang="en-US" dirty="0"/>
+              <a:t>There are several options, they can be extended for customization. </a:t>
+            </a:r>
+          </a:p>
+          <a:p>
+            <a:r>
+              <a:rPr lang="en-US" dirty="0"/>
+              <a:t>Most important thing is the number of dimensions:</a:t>
+            </a:r>
+          </a:p>
+          <a:p>
+            <a:pPr lvl="1"/>
+            <a:r>
+              <a:rPr lang="en-US" dirty="0"/>
+              <a:t>Higher dimension, better representation, slower, more data needed. </a:t>
+            </a:r>
+          </a:p>
+          <a:p>
+            <a:pPr lvl="1"/>
+            <a:r>
+              <a:rPr lang="en-US" dirty="0"/>
+              <a:t>We can use ‘tens’ as a start, real LLMs can use thousands. </a:t>
+            </a:r>
+          </a:p>
+        </p:txBody>
+      </p:sp>
+      <p:pic>
+        <p:nvPicPr>
+          <p:cNvPr id="2050" name="Picture 2" descr="Word embeddings | Text | TensorFlow">
+            <a:extLst>
+              <a:ext uri="{FF2B5EF4-FFF2-40B4-BE49-F238E27FC236}">
+                <a16:creationId xmlns:a16="http://schemas.microsoft.com/office/drawing/2014/main" id="{C4590819-A05D-001C-EE50-E6BCD3DDA89B}"/>
+              </a:ext>
+            </a:extLst>
+          </p:cNvPr>
+          <p:cNvPicPr>
+            <a:picLocks noChangeAspect="1" noChangeArrowheads="1"/>
+          </p:cNvPicPr>
+          <p:nvPr/>
+        </p:nvPicPr>
+        <p:blipFill rotWithShape="1">
+          <a:blip r:embed="rId2">
+            <a:extLst>
+              <a:ext uri="{28A0092B-C50C-407E-A947-70E740481C1C}">
+                <a14:useLocalDpi xmlns:a14="http://schemas.microsoft.com/office/drawing/2010/main" val="0"/>
+              </a:ext>
+            </a:extLst>
+          </a:blip>
+          <a:srcRect l="7731" t="9482" r="5849" b="7304"/>
+          <a:stretch/>
+        </p:blipFill>
+        <p:spPr bwMode="auto">
+          <a:xfrm>
+            <a:off x="8006170" y="2050230"/>
+            <a:ext cx="4185830" cy="3057618"/>
+          </a:xfrm>
+          <a:prstGeom prst="rect">
+            <a:avLst/>
+          </a:prstGeom>
+          <a:noFill/>
+          <a:extLst>
+            <a:ext uri="{909E8E84-426E-40DD-AFC4-6F175D3DCCD1}">
+              <a14:hiddenFill xmlns:a14="http://schemas.microsoft.com/office/drawing/2010/main">
+                <a:solidFill>
+                  <a:srgbClr val="FFFFFF"/>
+                </a:solidFill>
+              </a14:hiddenFill>
+            </a:ext>
+          </a:extLst>
+        </p:spPr>
+      </p:pic>
     </p:spTree>
     <p:extLst>
       <p:ext uri="{BB962C8B-B14F-4D97-AF65-F5344CB8AC3E}">
-        <p14:creationId xmlns:p14="http://schemas.microsoft.com/office/powerpoint/2010/main" val="1573726145"/>
+        <p14:creationId xmlns:p14="http://schemas.microsoft.com/office/powerpoint/2010/main" val="2758473931"/>
       </p:ext>
     </p:extLst>
   </p:cSld>
@@ -4035,7 +4371,7 @@
 </p:sld>
 </file>
 
-<file path=ppt/slides/slide12.xml><?xml version="1.0" encoding="utf-8"?>
+<file path=ppt/slides/slide14.xml><?xml version="1.0" encoding="utf-8"?>
 <p:sld xmlns:a="http://schemas.openxmlformats.org/drawingml/2006/main" xmlns:r="http://schemas.openxmlformats.org/officeDocument/2006/relationships" xmlns:p="http://schemas.openxmlformats.org/presentationml/2006/main">
   <p:cSld>
     <p:spTree>
@@ -4057,6 +4393,160 @@
           <p:cNvPr id="2" name="Title 1">
             <a:extLst>
               <a:ext uri="{FF2B5EF4-FFF2-40B4-BE49-F238E27FC236}">
+                <a16:creationId xmlns:a16="http://schemas.microsoft.com/office/drawing/2014/main" id="{38C96FF3-69E9-A64D-99BE-2F7691D36E32}"/>
+              </a:ext>
+            </a:extLst>
+          </p:cNvPr>
+          <p:cNvSpPr>
+            <a:spLocks noGrp="1"/>
+          </p:cNvSpPr>
+          <p:nvPr>
+            <p:ph type="title"/>
+          </p:nvPr>
+        </p:nvSpPr>
+        <p:spPr/>
+        <p:txBody>
+          <a:bodyPr/>
+          <a:lstStyle/>
+          <a:p>
+            <a:r>
+              <a:rPr lang="en-US" dirty="0"/>
+              <a:t>Language Model Notes</a:t>
+            </a:r>
+          </a:p>
+        </p:txBody>
+      </p:sp>
+      <p:sp>
+        <p:nvSpPr>
+          <p:cNvPr id="3" name="Content Placeholder 2">
+            <a:extLst>
+              <a:ext uri="{FF2B5EF4-FFF2-40B4-BE49-F238E27FC236}">
+                <a16:creationId xmlns:a16="http://schemas.microsoft.com/office/drawing/2014/main" id="{ADBB1894-E1A6-0D07-7927-6D634344EC7E}"/>
+              </a:ext>
+            </a:extLst>
+          </p:cNvPr>
+          <p:cNvSpPr>
+            <a:spLocks noGrp="1"/>
+          </p:cNvSpPr>
+          <p:nvPr>
+            <p:ph idx="1"/>
+          </p:nvPr>
+        </p:nvSpPr>
+        <p:spPr>
+          <a:xfrm>
+            <a:off x="1451579" y="2015732"/>
+            <a:ext cx="9603275" cy="3981208"/>
+          </a:xfrm>
+        </p:spPr>
+        <p:txBody>
+          <a:bodyPr/>
+          <a:lstStyle/>
+          <a:p>
+            <a:r>
+              <a:rPr lang="en-US" dirty="0"/>
+              <a:t>This is very simple processing for text, for a simple model. </a:t>
+            </a:r>
+          </a:p>
+          <a:p>
+            <a:r>
+              <a:rPr lang="en-US" dirty="0"/>
+              <a:t>In larger models, the data preparation is different. </a:t>
+            </a:r>
+          </a:p>
+          <a:p>
+            <a:pPr lvl="1"/>
+            <a:r>
+              <a:rPr lang="en-US" dirty="0"/>
+              <a:t>Construction of the datasets is potentially a lot of work. </a:t>
+            </a:r>
+          </a:p>
+          <a:p>
+            <a:pPr lvl="1"/>
+            <a:r>
+              <a:rPr lang="en-US" dirty="0"/>
+              <a:t>Specific applications like chatbots may need to restructure data into prompt-response. </a:t>
+            </a:r>
+          </a:p>
+          <a:p>
+            <a:pPr lvl="1"/>
+            <a:r>
+              <a:rPr lang="en-US" dirty="0"/>
+              <a:t>Other models are commonly used to help process the massive amount of data. </a:t>
+            </a:r>
+          </a:p>
+          <a:p>
+            <a:pPr lvl="1"/>
+            <a:r>
+              <a:rPr lang="en-US" dirty="0"/>
+              <a:t>The dataset is massive, and may only have one or two epochs. </a:t>
+            </a:r>
+          </a:p>
+          <a:p>
+            <a:pPr lvl="1"/>
+            <a:r>
+              <a:rPr lang="en-US" dirty="0"/>
+              <a:t>Tokens are often sub-word length, as models need to handle suffix/prefix </a:t>
+            </a:r>
+            <a:r>
+              <a:rPr lang="en-US" dirty="0" err="1"/>
+              <a:t>etc</a:t>
+            </a:r>
+            <a:r>
+              <a:rPr lang="en-US" dirty="0"/>
+              <a:t>…</a:t>
+            </a:r>
+          </a:p>
+          <a:p>
+            <a:r>
+              <a:rPr lang="en-US" dirty="0"/>
+              <a:t>Large/smart models also have an assortment of things done to make them faster and better – reinforcement, specialized ‘sub-models’ (mixture of experts), </a:t>
+            </a:r>
+            <a:r>
+              <a:rPr lang="en-US" dirty="0" err="1"/>
+              <a:t>etc</a:t>
+            </a:r>
+            <a:r>
+              <a:rPr lang="en-US" dirty="0"/>
+              <a:t>…</a:t>
+            </a:r>
+          </a:p>
+        </p:txBody>
+      </p:sp>
+    </p:spTree>
+    <p:extLst>
+      <p:ext uri="{BB962C8B-B14F-4D97-AF65-F5344CB8AC3E}">
+        <p14:creationId xmlns:p14="http://schemas.microsoft.com/office/powerpoint/2010/main" val="1573726145"/>
+      </p:ext>
+    </p:extLst>
+  </p:cSld>
+  <p:clrMapOvr>
+    <a:masterClrMapping/>
+  </p:clrMapOvr>
+</p:sld>
+</file>
+
+<file path=ppt/slides/slide15.xml><?xml version="1.0" encoding="utf-8"?>
+<p:sld xmlns:a="http://schemas.openxmlformats.org/drawingml/2006/main" xmlns:r="http://schemas.openxmlformats.org/officeDocument/2006/relationships" xmlns:p="http://schemas.openxmlformats.org/presentationml/2006/main">
+  <p:cSld>
+    <p:spTree>
+      <p:nvGrpSpPr>
+        <p:cNvPr id="1" name=""/>
+        <p:cNvGrpSpPr/>
+        <p:nvPr/>
+      </p:nvGrpSpPr>
+      <p:grpSpPr>
+        <a:xfrm>
+          <a:off x="0" y="0"/>
+          <a:ext cx="0" cy="0"/>
+          <a:chOff x="0" y="0"/>
+          <a:chExt cx="0" cy="0"/>
+        </a:xfrm>
+      </p:grpSpPr>
+      <p:sp>
+        <p:nvSpPr>
+          <p:cNvPr id="2" name="Title 1">
+            <a:extLst>
+              <a:ext uri="{FF2B5EF4-FFF2-40B4-BE49-F238E27FC236}">
                 <a16:creationId xmlns:a16="http://schemas.microsoft.com/office/drawing/2014/main" id="{C7CF3C70-5DBE-9649-91B6-454DF600C9C0}"/>
               </a:ext>
             </a:extLst>
@@ -4164,7 +4654,7 @@
 </p:sld>
 </file>
 
-<file path=ppt/slides/slide13.xml><?xml version="1.0" encoding="utf-8"?>
+<file path=ppt/slides/slide16.xml><?xml version="1.0" encoding="utf-8"?>
 <p:sld xmlns:a="http://schemas.openxmlformats.org/drawingml/2006/main" xmlns:r="http://schemas.openxmlformats.org/officeDocument/2006/relationships" xmlns:p="http://schemas.openxmlformats.org/presentationml/2006/main">
   <p:cSld>
     <p:spTree>
@@ -4348,7 +4838,7 @@
 </p:sld>
 </file>
 
-<file path=ppt/slides/slide14.xml><?xml version="1.0" encoding="utf-8"?>
+<file path=ppt/slides/slide17.xml><?xml version="1.0" encoding="utf-8"?>
 <p:sld xmlns:a="http://schemas.openxmlformats.org/drawingml/2006/main" xmlns:r="http://schemas.openxmlformats.org/officeDocument/2006/relationships" xmlns:p="http://schemas.openxmlformats.org/presentationml/2006/main">
   <p:cSld>
     <p:spTree>
@@ -4583,7 +5073,7 @@
 </p:sld>
 </file>
 
-<file path=ppt/slides/slide15.xml><?xml version="1.0" encoding="utf-8"?>
+<file path=ppt/slides/slide18.xml><?xml version="1.0" encoding="utf-8"?>
 <p:sld xmlns:a="http://schemas.openxmlformats.org/drawingml/2006/main" xmlns:r="http://schemas.openxmlformats.org/officeDocument/2006/relationships" xmlns:p="http://schemas.openxmlformats.org/presentationml/2006/main">
   <p:cSld>
     <p:spTree>
@@ -4605,7 +5095,7 @@
           <p:cNvPr id="2" name="Title 1">
             <a:extLst>
               <a:ext uri="{FF2B5EF4-FFF2-40B4-BE49-F238E27FC236}">
-                <a16:creationId xmlns:a16="http://schemas.microsoft.com/office/drawing/2014/main" id="{76EFE8BB-1CB8-1FAF-D053-CF957C359C0E}"/>
+                <a16:creationId xmlns:a16="http://schemas.microsoft.com/office/drawing/2014/main" id="{0FE8E366-142C-816C-E97D-53C4F169D490}"/>
               </a:ext>
             </a:extLst>
           </p:cNvPr>
@@ -4623,7 +5113,7 @@
           <a:p>
             <a:r>
               <a:rPr lang="en-US" dirty="0"/>
-              <a:t>conclusion</a:t>
+              <a:t>Lower your Expectations…</a:t>
             </a:r>
           </a:p>
         </p:txBody>
@@ -4633,7 +5123,7 @@
           <p:cNvPr id="3" name="Content Placeholder 2">
             <a:extLst>
               <a:ext uri="{FF2B5EF4-FFF2-40B4-BE49-F238E27FC236}">
-                <a16:creationId xmlns:a16="http://schemas.microsoft.com/office/drawing/2014/main" id="{784AED0A-E2E5-024E-5F64-4994DCF3C1E5}"/>
+                <a16:creationId xmlns:a16="http://schemas.microsoft.com/office/drawing/2014/main" id="{D928818C-1306-2905-9D7E-8DEFA3C1F86D}"/>
               </a:ext>
             </a:extLst>
           </p:cNvPr>
@@ -4646,71 +5136,235 @@
         </p:nvSpPr>
         <p:spPr>
           <a:xfrm>
-            <a:off x="1226820" y="1853754"/>
-            <a:ext cx="10279379" cy="4199727"/>
+            <a:off x="4427620" y="2015732"/>
+            <a:ext cx="7764379" cy="4037749"/>
           </a:xfrm>
         </p:spPr>
         <p:txBody>
-          <a:bodyPr/>
-          <a:lstStyle/>
-          <a:p>
-            <a:r>
-              <a:rPr lang="en-US" dirty="0"/>
-              <a:t>LSTM text generation works well, but transformers have surpassed it. </a:t>
-            </a:r>
-          </a:p>
-          <a:p>
-            <a:pPr lvl="1"/>
-            <a:r>
-              <a:rPr lang="en-US" dirty="0"/>
-              <a:t>Transformers are better able to track what matters and what doesn’t in context. </a:t>
-            </a:r>
-          </a:p>
-          <a:p>
-            <a:pPr lvl="1"/>
-            <a:r>
-              <a:rPr lang="en-US" dirty="0"/>
-              <a:t>Most of the other mechanics, like dealing with data, are similar. </a:t>
-            </a:r>
-          </a:p>
-          <a:p>
-            <a:r>
-              <a:rPr lang="en-US" dirty="0"/>
-              <a:t>We can train a simple, though awful, text generation model. </a:t>
-            </a:r>
-          </a:p>
-          <a:p>
-            <a:r>
-              <a:rPr lang="en-US" dirty="0"/>
-              <a:t>Actual generative models require lots of training – time and data – ours will be bad. </a:t>
-            </a:r>
-          </a:p>
-          <a:p>
-            <a:pPr lvl="1"/>
-            <a:r>
-              <a:rPr lang="en-US" dirty="0"/>
-              <a:t>I heard a podcast where an ex-Open AI guy said the next generation would cost $1billion+ to train. </a:t>
-            </a:r>
-          </a:p>
-          <a:p>
-            <a:pPr lvl="1"/>
-            <a:r>
-              <a:rPr lang="en-US" dirty="0"/>
-              <a:t>I already trained the sample model, for at least 800 epochs, so this isn’t starting fresh. </a:t>
-            </a:r>
-          </a:p>
-          <a:p>
-            <a:r>
-              <a:rPr lang="en-US" dirty="0"/>
-              <a:t>There’s an example in the workbooks of both downloading and fine tuning a transformer model, and making one from scratch in the repository. </a:t>
-            </a:r>
-          </a:p>
-        </p:txBody>
-      </p:sp>
+          <a:bodyPr>
+            <a:normAutofit/>
+          </a:bodyPr>
+          <a:lstStyle/>
+          <a:p>
+            <a:r>
+              <a:rPr lang="en-US" dirty="0"/>
+              <a:t>Lower your expectations, even lower than the normally are here. </a:t>
+            </a:r>
+          </a:p>
+          <a:p>
+            <a:r>
+              <a:rPr lang="en-US" dirty="0"/>
+              <a:t>Good text generation is hard, and we aren’t making a good attempt. </a:t>
+            </a:r>
+          </a:p>
+          <a:p>
+            <a:pPr lvl="1"/>
+            <a:r>
+              <a:rPr lang="en-US" dirty="0"/>
+              <a:t>Language is diverse - need large embedding space and model to capture it. </a:t>
+            </a:r>
+          </a:p>
+          <a:p>
+            <a:pPr lvl="1"/>
+            <a:r>
+              <a:rPr lang="en-US" dirty="0"/>
+              <a:t>That requires massive datasets. </a:t>
+            </a:r>
+          </a:p>
+          <a:p>
+            <a:pPr lvl="1"/>
+            <a:r>
+              <a:rPr lang="en-US" dirty="0"/>
+              <a:t>Those mean it takes ages to train one – we aren’t even at a fraction of .001% of that. </a:t>
+            </a:r>
+          </a:p>
+          <a:p>
+            <a:r>
+              <a:rPr lang="en-US" dirty="0"/>
+              <a:t>E.g. this example from training – real-</a:t>
+            </a:r>
+            <a:r>
+              <a:rPr lang="en-US" dirty="0" err="1"/>
+              <a:t>ish</a:t>
+            </a:r>
+            <a:r>
+              <a:rPr lang="en-US" dirty="0"/>
+              <a:t> flipping to ‘junk’. </a:t>
+            </a:r>
+          </a:p>
+          <a:p>
+            <a:pPr lvl="1"/>
+            <a:r>
+              <a:rPr lang="en-US" dirty="0"/>
+              <a:t>The model is ‘stuck’ and every prediction falls on ‘just’. </a:t>
+            </a:r>
+          </a:p>
+          <a:p>
+            <a:pPr lvl="1"/>
+            <a:r>
+              <a:rPr lang="en-US" dirty="0"/>
+              <a:t>The model can learn its way out of this, but may </a:t>
+            </a:r>
+            <a:r>
+              <a:rPr lang="en-US"/>
+              <a:t>take time…</a:t>
+            </a:r>
+            <a:endParaRPr lang="en-US" dirty="0"/>
+          </a:p>
+        </p:txBody>
+      </p:sp>
+      <p:pic>
+        <p:nvPicPr>
+          <p:cNvPr id="4" name="Picture 3">
+            <a:extLst>
+              <a:ext uri="{FF2B5EF4-FFF2-40B4-BE49-F238E27FC236}">
+                <a16:creationId xmlns:a16="http://schemas.microsoft.com/office/drawing/2014/main" id="{E9D84CD7-5821-45E5-8D3F-6F48AB9EB823}"/>
+              </a:ext>
+            </a:extLst>
+          </p:cNvPr>
+          <p:cNvPicPr>
+            <a:picLocks noChangeAspect="1"/>
+          </p:cNvPicPr>
+          <p:nvPr/>
+        </p:nvPicPr>
+        <p:blipFill>
+          <a:blip r:embed="rId2"/>
+          <a:stretch>
+            <a:fillRect/>
+          </a:stretch>
+        </p:blipFill>
+        <p:spPr>
+          <a:xfrm>
+            <a:off x="0" y="2539457"/>
+            <a:ext cx="4427621" cy="1768026"/>
+          </a:xfrm>
+          <a:prstGeom prst="rect">
+            <a:avLst/>
+          </a:prstGeom>
+        </p:spPr>
+      </p:pic>
     </p:spTree>
     <p:extLst>
       <p:ext uri="{BB962C8B-B14F-4D97-AF65-F5344CB8AC3E}">
-        <p14:creationId xmlns:p14="http://schemas.microsoft.com/office/powerpoint/2010/main" val="2264685335"/>
+        <p14:creationId xmlns:p14="http://schemas.microsoft.com/office/powerpoint/2010/main" val="880705664"/>
+      </p:ext>
+    </p:extLst>
+  </p:cSld>
+  <p:clrMapOvr>
+    <a:masterClrMapping/>
+  </p:clrMapOvr>
+</p:sld>
+</file>
+
+<file path=ppt/slides/slide19.xml><?xml version="1.0" encoding="utf-8"?>
+<p:sld xmlns:a="http://schemas.openxmlformats.org/drawingml/2006/main" xmlns:r="http://schemas.openxmlformats.org/officeDocument/2006/relationships" xmlns:p="http://schemas.openxmlformats.org/presentationml/2006/main" show="0">
+  <p:cSld>
+    <p:spTree>
+      <p:nvGrpSpPr>
+        <p:cNvPr id="1" name=""/>
+        <p:cNvGrpSpPr/>
+        <p:nvPr/>
+      </p:nvGrpSpPr>
+      <p:grpSpPr>
+        <a:xfrm>
+          <a:off x="0" y="0"/>
+          <a:ext cx="0" cy="0"/>
+          <a:chOff x="0" y="0"/>
+          <a:chExt cx="0" cy="0"/>
+        </a:xfrm>
+      </p:grpSpPr>
+      <p:sp>
+        <p:nvSpPr>
+          <p:cNvPr id="2" name="Title 1">
+            <a:extLst>
+              <a:ext uri="{FF2B5EF4-FFF2-40B4-BE49-F238E27FC236}">
+                <a16:creationId xmlns:a16="http://schemas.microsoft.com/office/drawing/2014/main" id="{A15F3D55-0A10-173A-4C5F-D4088089678B}"/>
+              </a:ext>
+            </a:extLst>
+          </p:cNvPr>
+          <p:cNvSpPr>
+            <a:spLocks noGrp="1"/>
+          </p:cNvSpPr>
+          <p:nvPr>
+            <p:ph type="title"/>
+          </p:nvPr>
+        </p:nvSpPr>
+        <p:spPr/>
+        <p:txBody>
+          <a:bodyPr/>
+          <a:lstStyle/>
+          <a:p>
+            <a:r>
+              <a:rPr lang="en-US" dirty="0"/>
+              <a:t>In Real Usage…</a:t>
+            </a:r>
+          </a:p>
+        </p:txBody>
+      </p:sp>
+      <p:sp>
+        <p:nvSpPr>
+          <p:cNvPr id="3" name="Content Placeholder 2">
+            <a:extLst>
+              <a:ext uri="{FF2B5EF4-FFF2-40B4-BE49-F238E27FC236}">
+                <a16:creationId xmlns:a16="http://schemas.microsoft.com/office/drawing/2014/main" id="{C4449D56-0466-0D4B-4CCA-7B670BDC29EB}"/>
+              </a:ext>
+            </a:extLst>
+          </p:cNvPr>
+          <p:cNvSpPr>
+            <a:spLocks noGrp="1"/>
+          </p:cNvSpPr>
+          <p:nvPr>
+            <p:ph idx="1"/>
+          </p:nvPr>
+        </p:nvSpPr>
+        <p:spPr>
+          <a:xfrm>
+            <a:off x="1451579" y="2015732"/>
+            <a:ext cx="9603275" cy="4037749"/>
+          </a:xfrm>
+        </p:spPr>
+        <p:txBody>
+          <a:bodyPr/>
+          <a:lstStyle/>
+          <a:p>
+            <a:r>
+              <a:rPr lang="en-US" dirty="0"/>
+              <a:t>This is the basis of generating text in most cases. </a:t>
+            </a:r>
+          </a:p>
+          <a:p>
+            <a:r>
+              <a:rPr lang="en-US" dirty="0"/>
+              <a:t>Real applications add some other tactics:</a:t>
+            </a:r>
+          </a:p>
+          <a:p>
+            <a:pPr lvl="1"/>
+            <a:r>
+              <a:rPr lang="en-US" dirty="0"/>
+              <a:t>Custom prompt/response framing – e.g. a chatbot is setup so a question is an input and their response is a prediction. </a:t>
+            </a:r>
+          </a:p>
+          <a:p>
+            <a:pPr lvl="1"/>
+            <a:r>
+              <a:rPr lang="en-US" dirty="0"/>
+              <a:t>Reinforcement – feedback is provided by a human for good/bad, or better response. This helps tune the model. This can also be done live, e.g. do you accept or reject a response. </a:t>
+            </a:r>
+          </a:p>
+          <a:p>
+            <a:pPr lvl="1"/>
+            <a:r>
+              <a:rPr lang="en-US" dirty="0"/>
+              <a:t>Token variation – LLMs can use tokens that are smaller than a word. This helps since they need to understand sub-word things like a prefix. </a:t>
+            </a:r>
+          </a:p>
+        </p:txBody>
+      </p:sp>
+    </p:spTree>
+    <p:extLst>
+      <p:ext uri="{BB962C8B-B14F-4D97-AF65-F5344CB8AC3E}">
+        <p14:creationId xmlns:p14="http://schemas.microsoft.com/office/powerpoint/2010/main" val="1031140339"/>
       </p:ext>
     </p:extLst>
   </p:cSld>
@@ -4794,6 +5448,143 @@
     <p:extLst>
       <p:ext uri="{BB962C8B-B14F-4D97-AF65-F5344CB8AC3E}">
         <p14:creationId xmlns:p14="http://schemas.microsoft.com/office/powerpoint/2010/main" val="838896935"/>
+      </p:ext>
+    </p:extLst>
+  </p:cSld>
+  <p:clrMapOvr>
+    <a:masterClrMapping/>
+  </p:clrMapOvr>
+</p:sld>
+</file>
+
+<file path=ppt/slides/slide20.xml><?xml version="1.0" encoding="utf-8"?>
+<p:sld xmlns:a="http://schemas.openxmlformats.org/drawingml/2006/main" xmlns:r="http://schemas.openxmlformats.org/officeDocument/2006/relationships" xmlns:p="http://schemas.openxmlformats.org/presentationml/2006/main">
+  <p:cSld>
+    <p:spTree>
+      <p:nvGrpSpPr>
+        <p:cNvPr id="1" name=""/>
+        <p:cNvGrpSpPr/>
+        <p:nvPr/>
+      </p:nvGrpSpPr>
+      <p:grpSpPr>
+        <a:xfrm>
+          <a:off x="0" y="0"/>
+          <a:ext cx="0" cy="0"/>
+          <a:chOff x="0" y="0"/>
+          <a:chExt cx="0" cy="0"/>
+        </a:xfrm>
+      </p:grpSpPr>
+      <p:sp>
+        <p:nvSpPr>
+          <p:cNvPr id="2" name="Title 1">
+            <a:extLst>
+              <a:ext uri="{FF2B5EF4-FFF2-40B4-BE49-F238E27FC236}">
+                <a16:creationId xmlns:a16="http://schemas.microsoft.com/office/drawing/2014/main" id="{76EFE8BB-1CB8-1FAF-D053-CF957C359C0E}"/>
+              </a:ext>
+            </a:extLst>
+          </p:cNvPr>
+          <p:cNvSpPr>
+            <a:spLocks noGrp="1"/>
+          </p:cNvSpPr>
+          <p:nvPr>
+            <p:ph type="title"/>
+          </p:nvPr>
+        </p:nvSpPr>
+        <p:spPr/>
+        <p:txBody>
+          <a:bodyPr/>
+          <a:lstStyle/>
+          <a:p>
+            <a:r>
+              <a:rPr lang="en-US" dirty="0"/>
+              <a:t>conclusion</a:t>
+            </a:r>
+          </a:p>
+        </p:txBody>
+      </p:sp>
+      <p:sp>
+        <p:nvSpPr>
+          <p:cNvPr id="3" name="Content Placeholder 2">
+            <a:extLst>
+              <a:ext uri="{FF2B5EF4-FFF2-40B4-BE49-F238E27FC236}">
+                <a16:creationId xmlns:a16="http://schemas.microsoft.com/office/drawing/2014/main" id="{784AED0A-E2E5-024E-5F64-4994DCF3C1E5}"/>
+              </a:ext>
+            </a:extLst>
+          </p:cNvPr>
+          <p:cNvSpPr>
+            <a:spLocks noGrp="1"/>
+          </p:cNvSpPr>
+          <p:nvPr>
+            <p:ph idx="1"/>
+          </p:nvPr>
+        </p:nvSpPr>
+        <p:spPr>
+          <a:xfrm>
+            <a:off x="1226820" y="1853754"/>
+            <a:ext cx="10279379" cy="4199727"/>
+          </a:xfrm>
+        </p:spPr>
+        <p:txBody>
+          <a:bodyPr/>
+          <a:lstStyle/>
+          <a:p>
+            <a:r>
+              <a:rPr lang="en-US" dirty="0"/>
+              <a:t>LSTM text generation works well, but transformers have surpassed it. </a:t>
+            </a:r>
+          </a:p>
+          <a:p>
+            <a:pPr lvl="1"/>
+            <a:r>
+              <a:rPr lang="en-US" dirty="0"/>
+              <a:t>Transformers are better able to track what matters and what doesn’t in context. </a:t>
+            </a:r>
+          </a:p>
+          <a:p>
+            <a:pPr lvl="1"/>
+            <a:r>
+              <a:rPr lang="en-US" dirty="0"/>
+              <a:t>Most of the other mechanics, like dealing with data, are similar. </a:t>
+            </a:r>
+          </a:p>
+          <a:p>
+            <a:r>
+              <a:rPr lang="en-US" dirty="0"/>
+              <a:t>We can train a simple, though awful, text generation model. </a:t>
+            </a:r>
+          </a:p>
+          <a:p>
+            <a:r>
+              <a:rPr lang="en-US" dirty="0"/>
+              <a:t>Actual generative models require lots of training – time and data – ours will be bad. </a:t>
+            </a:r>
+          </a:p>
+          <a:p>
+            <a:pPr lvl="1"/>
+            <a:r>
+              <a:rPr lang="en-US" dirty="0"/>
+              <a:t>I heard a podcast where an ex-Open AI guy said the next generation would cost $1billion+ to train. </a:t>
+            </a:r>
+          </a:p>
+          <a:p>
+            <a:pPr lvl="1"/>
+            <a:r>
+              <a:rPr lang="en-US" dirty="0"/>
+              <a:t>I already trained the sample model, for at least 800 epochs, so this isn’t starting fresh. </a:t>
+            </a:r>
+          </a:p>
+          <a:p>
+            <a:r>
+              <a:rPr lang="en-US" dirty="0"/>
+              <a:t>There’s an example in the workbooks of both downloading and fine tuning a transformer model, and making one from scratch in the repository. </a:t>
+            </a:r>
+          </a:p>
+        </p:txBody>
+      </p:sp>
+    </p:spTree>
+    <p:extLst>
+      <p:ext uri="{BB962C8B-B14F-4D97-AF65-F5344CB8AC3E}">
+        <p14:creationId xmlns:p14="http://schemas.microsoft.com/office/powerpoint/2010/main" val="2264685335"/>
       </p:ext>
     </p:extLst>
   </p:cSld>
@@ -5089,7 +5880,7 @@
           <p:cNvPr id="2" name="Title 1">
             <a:extLst>
               <a:ext uri="{FF2B5EF4-FFF2-40B4-BE49-F238E27FC236}">
-                <a16:creationId xmlns:a16="http://schemas.microsoft.com/office/drawing/2014/main" id="{D5A7217F-29B9-0F13-1827-E29CCF7EB1B3}"/>
+                <a16:creationId xmlns:a16="http://schemas.microsoft.com/office/drawing/2014/main" id="{BE9070BA-981C-9181-8AC3-97C1097C3027}"/>
               </a:ext>
             </a:extLst>
           </p:cNvPr>
@@ -5107,7 +5898,7 @@
           <a:p>
             <a:r>
               <a:rPr lang="en-US" dirty="0"/>
-              <a:t>Predicting Text</a:t>
+              <a:t>Notes</a:t>
             </a:r>
           </a:p>
         </p:txBody>
@@ -5117,7 +5908,7 @@
           <p:cNvPr id="3" name="Content Placeholder 2">
             <a:extLst>
               <a:ext uri="{FF2B5EF4-FFF2-40B4-BE49-F238E27FC236}">
-                <a16:creationId xmlns:a16="http://schemas.microsoft.com/office/drawing/2014/main" id="{D54C3147-248D-7FA1-5D5F-44A93AD7225A}"/>
+                <a16:creationId xmlns:a16="http://schemas.microsoft.com/office/drawing/2014/main" id="{AD959B50-9E1E-436F-1C05-508174F05A54}"/>
               </a:ext>
             </a:extLst>
           </p:cNvPr>
@@ -5130,8 +5921,8 @@
         </p:nvSpPr>
         <p:spPr>
           <a:xfrm>
-            <a:off x="1451579" y="2015732"/>
-            <a:ext cx="9603275" cy="4037749"/>
+            <a:off x="1451579" y="1954924"/>
+            <a:ext cx="9603275" cy="4098557"/>
           </a:xfrm>
         </p:spPr>
         <p:txBody>
@@ -5140,50 +5931,35 @@
           <a:p>
             <a:r>
               <a:rPr lang="en-US" dirty="0"/>
-              <a:t>Text is one of the things that has temporal relationships in the data. </a:t>
-            </a:r>
-          </a:p>
-          <a:p>
-            <a:pPr lvl="1"/>
-            <a:r>
-              <a:rPr lang="en-US" dirty="0"/>
-              <a:t>The order of words matter, as does what came earlier in the sequence. </a:t>
-            </a:r>
-          </a:p>
-          <a:p>
-            <a:r>
-              <a:rPr lang="en-US" dirty="0"/>
-              <a:t>We can use a model to predict the next word, or set of words. </a:t>
-            </a:r>
-          </a:p>
-          <a:p>
-            <a:pPr lvl="1"/>
-            <a:r>
-              <a:rPr lang="en-US" dirty="0"/>
-              <a:t>Input – previous tokens. </a:t>
-            </a:r>
-          </a:p>
-          <a:p>
-            <a:pPr lvl="1"/>
-            <a:r>
-              <a:rPr lang="en-US" dirty="0"/>
-              <a:t>Output – next token(s). </a:t>
-            </a:r>
-          </a:p>
-          <a:p>
-            <a:r>
-              <a:rPr lang="en-US" dirty="0"/>
-              <a:t>A piece of text is a weird time-series of words. </a:t>
-            </a:r>
-          </a:p>
-          <a:p>
-            <a:r>
-              <a:rPr lang="en-US" dirty="0"/>
-              <a:t>We can make a model that predicts the next word, then the next, </a:t>
-            </a:r>
+              <a:t>We’ll look at this in some level of detail:</a:t>
+            </a:r>
+          </a:p>
+          <a:p>
+            <a:pPr lvl="1"/>
+            <a:r>
+              <a:rPr lang="en-US" dirty="0"/>
+              <a:t>Constructing datasets. </a:t>
+            </a:r>
+          </a:p>
+          <a:p>
+            <a:pPr lvl="1"/>
+            <a:r>
+              <a:rPr lang="en-US" dirty="0"/>
+              <a:t>Padding</a:t>
+            </a:r>
+          </a:p>
+          <a:p>
+            <a:pPr lvl="1"/>
+            <a:r>
+              <a:rPr lang="en-US" dirty="0"/>
+              <a:t>Shape</a:t>
+            </a:r>
+          </a:p>
+          <a:p>
+            <a:pPr lvl="1"/>
             <a:r>
               <a:rPr lang="en-US" dirty="0" err="1"/>
-              <a:t>etc</a:t>
+              <a:t>Etc</a:t>
             </a:r>
             <a:r>
               <a:rPr lang="en-US" dirty="0"/>
@@ -5191,10 +5967,22 @@
             </a:r>
           </a:p>
           <a:p>
-            <a:pPr lvl="1"/>
-            <a:r>
-              <a:rPr lang="en-US" dirty="0"/>
-              <a:t>Eventually, we’ll basically have Siri. </a:t>
+            <a:r>
+              <a:rPr lang="en-US" dirty="0"/>
+              <a:t>In many/most applications we’d automate some of this through loaders. </a:t>
+            </a:r>
+          </a:p>
+          <a:p>
+            <a:r>
+              <a:rPr lang="en-US" dirty="0"/>
+              <a:t>It is common for us to need to define preprocessing. </a:t>
+            </a:r>
+          </a:p>
+          <a:p>
+            <a:pPr lvl="1"/>
+            <a:r>
+              <a:rPr lang="en-US" dirty="0"/>
+              <a:t>E.g. provide a preprocessor to map. </a:t>
             </a:r>
           </a:p>
         </p:txBody>
@@ -5202,7 +5990,7 @@
     </p:spTree>
     <p:extLst>
       <p:ext uri="{BB962C8B-B14F-4D97-AF65-F5344CB8AC3E}">
-        <p14:creationId xmlns:p14="http://schemas.microsoft.com/office/powerpoint/2010/main" val="3829140797"/>
+        <p14:creationId xmlns:p14="http://schemas.microsoft.com/office/powerpoint/2010/main" val="2901773326"/>
       </p:ext>
     </p:extLst>
   </p:cSld>
@@ -5234,6 +6022,357 @@
           <p:cNvPr id="2" name="Title 1">
             <a:extLst>
               <a:ext uri="{FF2B5EF4-FFF2-40B4-BE49-F238E27FC236}">
+                <a16:creationId xmlns:a16="http://schemas.microsoft.com/office/drawing/2014/main" id="{923939A9-EDB9-B03C-D348-9FA3989E628E}"/>
+              </a:ext>
+            </a:extLst>
+          </p:cNvPr>
+          <p:cNvSpPr>
+            <a:spLocks noGrp="1"/>
+          </p:cNvSpPr>
+          <p:nvPr>
+            <p:ph type="title"/>
+          </p:nvPr>
+        </p:nvSpPr>
+        <p:spPr>
+          <a:xfrm>
+            <a:off x="0" y="804519"/>
+            <a:ext cx="6409156" cy="1049235"/>
+          </a:xfrm>
+        </p:spPr>
+        <p:txBody>
+          <a:bodyPr/>
+          <a:lstStyle/>
+          <a:p>
+            <a:r>
+              <a:rPr lang="en-US" dirty="0"/>
+              <a:t>Key Idea – Here and Elsewhere</a:t>
+            </a:r>
+          </a:p>
+        </p:txBody>
+      </p:sp>
+      <p:sp>
+        <p:nvSpPr>
+          <p:cNvPr id="3" name="Content Placeholder 2">
+            <a:extLst>
+              <a:ext uri="{FF2B5EF4-FFF2-40B4-BE49-F238E27FC236}">
+                <a16:creationId xmlns:a16="http://schemas.microsoft.com/office/drawing/2014/main" id="{440717F3-BFE4-6832-BBB1-605F76947A42}"/>
+              </a:ext>
+            </a:extLst>
+          </p:cNvPr>
+          <p:cNvSpPr>
+            <a:spLocks noGrp="1"/>
+          </p:cNvSpPr>
+          <p:nvPr>
+            <p:ph idx="1"/>
+          </p:nvPr>
+        </p:nvSpPr>
+        <p:spPr>
+          <a:xfrm>
+            <a:off x="935421" y="2015732"/>
+            <a:ext cx="11256578" cy="4037749"/>
+          </a:xfrm>
+        </p:spPr>
+        <p:txBody>
+          <a:bodyPr>
+            <a:normAutofit/>
+          </a:bodyPr>
+          <a:lstStyle/>
+          <a:p>
+            <a:r>
+              <a:rPr lang="en-US" dirty="0"/>
+              <a:t>One key thing here is that anything can predict, we need to choose the best interpretation.</a:t>
+            </a:r>
+          </a:p>
+          <a:p>
+            <a:r>
+              <a:rPr lang="en-US" dirty="0"/>
+              <a:t>Any model that can calculate loss and adjust weights will ‘work’ with gradient descent. </a:t>
+            </a:r>
+          </a:p>
+          <a:p>
+            <a:pPr lvl="1"/>
+            <a:r>
+              <a:rPr lang="en-US" dirty="0"/>
+              <a:t>In images, CNNs capture spatial data, and that tends to be a good feature set. </a:t>
+            </a:r>
+          </a:p>
+          <a:p>
+            <a:pPr lvl="1"/>
+            <a:r>
+              <a:rPr lang="en-US" dirty="0"/>
+              <a:t>In time series (and now text), RNNs capture temporal data, that tends to work well here. </a:t>
+            </a:r>
+          </a:p>
+          <a:p>
+            <a:r>
+              <a:rPr lang="en-US" dirty="0"/>
+              <a:t>This representation is flexible – and can vary. </a:t>
+            </a:r>
+          </a:p>
+          <a:p>
+            <a:pPr lvl="1"/>
+            <a:r>
+              <a:rPr lang="en-US" dirty="0"/>
+              <a:t>Some models can combine different parts to generate features. </a:t>
+            </a:r>
+          </a:p>
+          <a:p>
+            <a:pPr lvl="1"/>
+            <a:r>
+              <a:rPr lang="en-US" dirty="0"/>
+              <a:t>Image models can use RNN parts, time-series can use CNN parts. </a:t>
+            </a:r>
+          </a:p>
+          <a:p>
+            <a:pPr lvl="1"/>
+            <a:r>
+              <a:rPr lang="en-US" dirty="0"/>
+              <a:t>For time series in particular, the hierarchical representations seem to work well. </a:t>
+            </a:r>
+          </a:p>
+          <a:p>
+            <a:r>
+              <a:rPr lang="en-US" b="1" dirty="0"/>
+              <a:t>We basically just want the best features for the dense bit – CNN, statistical, RNN, NN, </a:t>
+            </a:r>
+            <a:r>
+              <a:rPr lang="en-US" b="1" dirty="0" err="1"/>
+              <a:t>etc</a:t>
+            </a:r>
+            <a:r>
+              <a:rPr lang="en-US" b="1" dirty="0"/>
+              <a:t>…</a:t>
+            </a:r>
+          </a:p>
+        </p:txBody>
+      </p:sp>
+      <p:pic>
+        <p:nvPicPr>
+          <p:cNvPr id="1026" name="Picture 2" descr="Convolutional Neural Network (CNN) for Time Series Classification - AI  Business -Macnica">
+            <a:extLst>
+              <a:ext uri="{FF2B5EF4-FFF2-40B4-BE49-F238E27FC236}">
+                <a16:creationId xmlns:a16="http://schemas.microsoft.com/office/drawing/2014/main" id="{4DC3FBA9-B3F0-D554-9F2D-9BD618A67660}"/>
+              </a:ext>
+            </a:extLst>
+          </p:cNvPr>
+          <p:cNvPicPr>
+            <a:picLocks noChangeAspect="1" noChangeArrowheads="1"/>
+          </p:cNvPicPr>
+          <p:nvPr/>
+        </p:nvPicPr>
+        <p:blipFill>
+          <a:blip r:embed="rId2">
+            <a:extLst>
+              <a:ext uri="{28A0092B-C50C-407E-A947-70E740481C1C}">
+                <a14:useLocalDpi xmlns:a14="http://schemas.microsoft.com/office/drawing/2010/main" val="0"/>
+              </a:ext>
+            </a:extLst>
+          </a:blip>
+          <a:srcRect/>
+          <a:stretch>
+            <a:fillRect/>
+          </a:stretch>
+        </p:blipFill>
+        <p:spPr bwMode="auto">
+          <a:xfrm>
+            <a:off x="6409155" y="65101"/>
+            <a:ext cx="5782845" cy="1869642"/>
+          </a:xfrm>
+          <a:prstGeom prst="rect">
+            <a:avLst/>
+          </a:prstGeom>
+          <a:noFill/>
+          <a:extLst>
+            <a:ext uri="{909E8E84-426E-40DD-AFC4-6F175D3DCCD1}">
+              <a14:hiddenFill xmlns:a14="http://schemas.microsoft.com/office/drawing/2010/main">
+                <a:solidFill>
+                  <a:srgbClr val="FFFFFF"/>
+                </a:solidFill>
+              </a14:hiddenFill>
+            </a:ext>
+          </a:extLst>
+        </p:spPr>
+      </p:pic>
+    </p:spTree>
+    <p:extLst>
+      <p:ext uri="{BB962C8B-B14F-4D97-AF65-F5344CB8AC3E}">
+        <p14:creationId xmlns:p14="http://schemas.microsoft.com/office/powerpoint/2010/main" val="3876542903"/>
+      </p:ext>
+    </p:extLst>
+  </p:cSld>
+  <p:clrMapOvr>
+    <a:masterClrMapping/>
+  </p:clrMapOvr>
+</p:sld>
+</file>
+
+<file path=ppt/slides/slide7.xml><?xml version="1.0" encoding="utf-8"?>
+<p:sld xmlns:a="http://schemas.openxmlformats.org/drawingml/2006/main" xmlns:r="http://schemas.openxmlformats.org/officeDocument/2006/relationships" xmlns:p="http://schemas.openxmlformats.org/presentationml/2006/main">
+  <p:cSld>
+    <p:spTree>
+      <p:nvGrpSpPr>
+        <p:cNvPr id="1" name=""/>
+        <p:cNvGrpSpPr/>
+        <p:nvPr/>
+      </p:nvGrpSpPr>
+      <p:grpSpPr>
+        <a:xfrm>
+          <a:off x="0" y="0"/>
+          <a:ext cx="0" cy="0"/>
+          <a:chOff x="0" y="0"/>
+          <a:chExt cx="0" cy="0"/>
+        </a:xfrm>
+      </p:grpSpPr>
+      <p:sp>
+        <p:nvSpPr>
+          <p:cNvPr id="2" name="Title 1">
+            <a:extLst>
+              <a:ext uri="{FF2B5EF4-FFF2-40B4-BE49-F238E27FC236}">
+                <a16:creationId xmlns:a16="http://schemas.microsoft.com/office/drawing/2014/main" id="{D5A7217F-29B9-0F13-1827-E29CCF7EB1B3}"/>
+              </a:ext>
+            </a:extLst>
+          </p:cNvPr>
+          <p:cNvSpPr>
+            <a:spLocks noGrp="1"/>
+          </p:cNvSpPr>
+          <p:nvPr>
+            <p:ph type="title"/>
+          </p:nvPr>
+        </p:nvSpPr>
+        <p:spPr/>
+        <p:txBody>
+          <a:bodyPr/>
+          <a:lstStyle/>
+          <a:p>
+            <a:r>
+              <a:rPr lang="en-US" dirty="0"/>
+              <a:t>Predicting Text</a:t>
+            </a:r>
+          </a:p>
+        </p:txBody>
+      </p:sp>
+      <p:sp>
+        <p:nvSpPr>
+          <p:cNvPr id="3" name="Content Placeholder 2">
+            <a:extLst>
+              <a:ext uri="{FF2B5EF4-FFF2-40B4-BE49-F238E27FC236}">
+                <a16:creationId xmlns:a16="http://schemas.microsoft.com/office/drawing/2014/main" id="{D54C3147-248D-7FA1-5D5F-44A93AD7225A}"/>
+              </a:ext>
+            </a:extLst>
+          </p:cNvPr>
+          <p:cNvSpPr>
+            <a:spLocks noGrp="1"/>
+          </p:cNvSpPr>
+          <p:nvPr>
+            <p:ph idx="1"/>
+          </p:nvPr>
+        </p:nvSpPr>
+        <p:spPr>
+          <a:xfrm>
+            <a:off x="1451579" y="2015732"/>
+            <a:ext cx="9603275" cy="4037749"/>
+          </a:xfrm>
+        </p:spPr>
+        <p:txBody>
+          <a:bodyPr/>
+          <a:lstStyle/>
+          <a:p>
+            <a:r>
+              <a:rPr lang="en-US" dirty="0"/>
+              <a:t>Text is one of the things that has temporal relationships in the data. </a:t>
+            </a:r>
+          </a:p>
+          <a:p>
+            <a:pPr lvl="1"/>
+            <a:r>
+              <a:rPr lang="en-US" dirty="0"/>
+              <a:t>The order of words matter, as does what came earlier in the sequence. </a:t>
+            </a:r>
+          </a:p>
+          <a:p>
+            <a:r>
+              <a:rPr lang="en-US" dirty="0"/>
+              <a:t>We can use a model to predict the next word, or set of words. </a:t>
+            </a:r>
+          </a:p>
+          <a:p>
+            <a:pPr lvl="1"/>
+            <a:r>
+              <a:rPr lang="en-US" dirty="0"/>
+              <a:t>Input – previous tokens. </a:t>
+            </a:r>
+          </a:p>
+          <a:p>
+            <a:pPr lvl="1"/>
+            <a:r>
+              <a:rPr lang="en-US" dirty="0"/>
+              <a:t>Output – next token(s). </a:t>
+            </a:r>
+          </a:p>
+          <a:p>
+            <a:r>
+              <a:rPr lang="en-US" dirty="0"/>
+              <a:t>A piece of text is a weird time-series of words. </a:t>
+            </a:r>
+          </a:p>
+          <a:p>
+            <a:r>
+              <a:rPr lang="en-US" dirty="0"/>
+              <a:t>We can make a model that predicts the next word, then the next, </a:t>
+            </a:r>
+            <a:r>
+              <a:rPr lang="en-US" dirty="0" err="1"/>
+              <a:t>etc</a:t>
+            </a:r>
+            <a:r>
+              <a:rPr lang="en-US" dirty="0"/>
+              <a:t>…</a:t>
+            </a:r>
+          </a:p>
+          <a:p>
+            <a:pPr lvl="1"/>
+            <a:r>
+              <a:rPr lang="en-US" dirty="0"/>
+              <a:t>Eventually, we’ll basically have Siri. </a:t>
+            </a:r>
+          </a:p>
+        </p:txBody>
+      </p:sp>
+    </p:spTree>
+    <p:extLst>
+      <p:ext uri="{BB962C8B-B14F-4D97-AF65-F5344CB8AC3E}">
+        <p14:creationId xmlns:p14="http://schemas.microsoft.com/office/powerpoint/2010/main" val="3829140797"/>
+      </p:ext>
+    </p:extLst>
+  </p:cSld>
+  <p:clrMapOvr>
+    <a:masterClrMapping/>
+  </p:clrMapOvr>
+</p:sld>
+</file>
+
+<file path=ppt/slides/slide8.xml><?xml version="1.0" encoding="utf-8"?>
+<p:sld xmlns:a="http://schemas.openxmlformats.org/drawingml/2006/main" xmlns:r="http://schemas.openxmlformats.org/officeDocument/2006/relationships" xmlns:p="http://schemas.openxmlformats.org/presentationml/2006/main">
+  <p:cSld>
+    <p:spTree>
+      <p:nvGrpSpPr>
+        <p:cNvPr id="1" name=""/>
+        <p:cNvGrpSpPr/>
+        <p:nvPr/>
+      </p:nvGrpSpPr>
+      <p:grpSpPr>
+        <a:xfrm>
+          <a:off x="0" y="0"/>
+          <a:ext cx="0" cy="0"/>
+          <a:chOff x="0" y="0"/>
+          <a:chExt cx="0" cy="0"/>
+        </a:xfrm>
+      </p:grpSpPr>
+      <p:sp>
+        <p:nvSpPr>
+          <p:cNvPr id="2" name="Title 1">
+            <a:extLst>
+              <a:ext uri="{FF2B5EF4-FFF2-40B4-BE49-F238E27FC236}">
                 <a16:creationId xmlns:a16="http://schemas.microsoft.com/office/drawing/2014/main" id="{302C9F35-C90B-D7C2-C0E2-FCFBC469A15D}"/>
               </a:ext>
             </a:extLst>
@@ -5343,7 +6482,7 @@
 </p:sld>
 </file>
 
-<file path=ppt/slides/slide7.xml><?xml version="1.0" encoding="utf-8"?>
+<file path=ppt/slides/slide9.xml><?xml version="1.0" encoding="utf-8"?>
 <p:sld xmlns:a="http://schemas.openxmlformats.org/drawingml/2006/main" xmlns:r="http://schemas.openxmlformats.org/officeDocument/2006/relationships" xmlns:p="http://schemas.openxmlformats.org/presentationml/2006/main">
   <p:cSld>
     <p:spTree>
@@ -5461,296 +6600,6 @@
     <p:extLst>
       <p:ext uri="{BB962C8B-B14F-4D97-AF65-F5344CB8AC3E}">
         <p14:creationId xmlns:p14="http://schemas.microsoft.com/office/powerpoint/2010/main" val="119335658"/>
-      </p:ext>
-    </p:extLst>
-  </p:cSld>
-  <p:clrMapOvr>
-    <a:masterClrMapping/>
-  </p:clrMapOvr>
-</p:sld>
-</file>
-
-<file path=ppt/slides/slide8.xml><?xml version="1.0" encoding="utf-8"?>
-<p:sld xmlns:a="http://schemas.openxmlformats.org/drawingml/2006/main" xmlns:r="http://schemas.openxmlformats.org/officeDocument/2006/relationships" xmlns:p="http://schemas.openxmlformats.org/presentationml/2006/main">
-  <p:cSld>
-    <p:spTree>
-      <p:nvGrpSpPr>
-        <p:cNvPr id="1" name=""/>
-        <p:cNvGrpSpPr/>
-        <p:nvPr/>
-      </p:nvGrpSpPr>
-      <p:grpSpPr>
-        <a:xfrm>
-          <a:off x="0" y="0"/>
-          <a:ext cx="0" cy="0"/>
-          <a:chOff x="0" y="0"/>
-          <a:chExt cx="0" cy="0"/>
-        </a:xfrm>
-      </p:grpSpPr>
-      <p:sp>
-        <p:nvSpPr>
-          <p:cNvPr id="2" name="Title 1">
-            <a:extLst>
-              <a:ext uri="{FF2B5EF4-FFF2-40B4-BE49-F238E27FC236}">
-                <a16:creationId xmlns:a16="http://schemas.microsoft.com/office/drawing/2014/main" id="{1F4CF4EA-3A46-26F9-792C-FD0FF8FF9B38}"/>
-              </a:ext>
-            </a:extLst>
-          </p:cNvPr>
-          <p:cNvSpPr>
-            <a:spLocks noGrp="1"/>
-          </p:cNvSpPr>
-          <p:nvPr>
-            <p:ph type="title"/>
-          </p:nvPr>
-        </p:nvSpPr>
-        <p:spPr/>
-        <p:txBody>
-          <a:bodyPr/>
-          <a:lstStyle/>
-          <a:p>
-            <a:r>
-              <a:rPr lang="en-US" dirty="0"/>
-              <a:t>Data Configuration</a:t>
-            </a:r>
-          </a:p>
-        </p:txBody>
-      </p:sp>
-      <p:sp>
-        <p:nvSpPr>
-          <p:cNvPr id="3" name="Content Placeholder 2">
-            <a:extLst>
-              <a:ext uri="{FF2B5EF4-FFF2-40B4-BE49-F238E27FC236}">
-                <a16:creationId xmlns:a16="http://schemas.microsoft.com/office/drawing/2014/main" id="{8E3F54A8-164F-FB79-64F9-29A5F4BA513C}"/>
-              </a:ext>
-            </a:extLst>
-          </p:cNvPr>
-          <p:cNvSpPr>
-            <a:spLocks noGrp="1"/>
-          </p:cNvSpPr>
-          <p:nvPr>
-            <p:ph idx="1"/>
-          </p:nvPr>
-        </p:nvSpPr>
-        <p:spPr>
-          <a:xfrm>
-            <a:off x="1451579" y="2015732"/>
-            <a:ext cx="9603275" cy="4037749"/>
-          </a:xfrm>
-        </p:spPr>
-        <p:txBody>
-          <a:bodyPr/>
-          <a:lstStyle/>
-          <a:p>
-            <a:r>
-              <a:rPr lang="en-US" dirty="0"/>
-              <a:t>Our data again needs to be processed and reshaped. </a:t>
-            </a:r>
-          </a:p>
-          <a:p>
-            <a:r>
-              <a:rPr lang="en-US" dirty="0"/>
-              <a:t>We need to strip and tokenize the data. (This changes with ‘good’ models as they predict things like commas). </a:t>
-            </a:r>
-          </a:p>
-          <a:p>
-            <a:r>
-              <a:rPr lang="en-US" dirty="0"/>
-              <a:t>We need to shape the data. </a:t>
-            </a:r>
-          </a:p>
-          <a:p>
-            <a:pPr lvl="1"/>
-            <a:r>
-              <a:rPr lang="en-US" dirty="0"/>
-              <a:t>X – previous M tokens. </a:t>
-            </a:r>
-          </a:p>
-          <a:p>
-            <a:pPr lvl="1"/>
-            <a:r>
-              <a:rPr lang="en-US" dirty="0"/>
-              <a:t>T – next N tokens. </a:t>
-            </a:r>
-          </a:p>
-          <a:p>
-            <a:r>
-              <a:rPr lang="en-US" dirty="0"/>
-              <a:t>We need to </a:t>
-            </a:r>
-            <a:r>
-              <a:rPr lang="en-US" b="1" i="1" dirty="0"/>
-              <a:t>pad</a:t>
-            </a:r>
-            <a:r>
-              <a:rPr lang="en-US" dirty="0"/>
-              <a:t> the data, or make every record the same length. </a:t>
-            </a:r>
-          </a:p>
-          <a:p>
-            <a:pPr lvl="1"/>
-            <a:r>
-              <a:rPr lang="en-US" dirty="0"/>
-              <a:t>Models need fixed size data, but sentences are any length. </a:t>
-            </a:r>
-          </a:p>
-          <a:p>
-            <a:pPr lvl="1"/>
-            <a:r>
-              <a:rPr lang="en-US" dirty="0"/>
-              <a:t>We add blanks to either end to standardize the length. </a:t>
-            </a:r>
-          </a:p>
-        </p:txBody>
-      </p:sp>
-    </p:spTree>
-    <p:extLst>
-      <p:ext uri="{BB962C8B-B14F-4D97-AF65-F5344CB8AC3E}">
-        <p14:creationId xmlns:p14="http://schemas.microsoft.com/office/powerpoint/2010/main" val="3626877784"/>
-      </p:ext>
-    </p:extLst>
-  </p:cSld>
-  <p:clrMapOvr>
-    <a:masterClrMapping/>
-  </p:clrMapOvr>
-</p:sld>
-</file>
-
-<file path=ppt/slides/slide9.xml><?xml version="1.0" encoding="utf-8"?>
-<p:sld xmlns:a="http://schemas.openxmlformats.org/drawingml/2006/main" xmlns:r="http://schemas.openxmlformats.org/officeDocument/2006/relationships" xmlns:p="http://schemas.openxmlformats.org/presentationml/2006/main">
-  <p:cSld>
-    <p:spTree>
-      <p:nvGrpSpPr>
-        <p:cNvPr id="1" name=""/>
-        <p:cNvGrpSpPr/>
-        <p:nvPr/>
-      </p:nvGrpSpPr>
-      <p:grpSpPr>
-        <a:xfrm>
-          <a:off x="0" y="0"/>
-          <a:ext cx="0" cy="0"/>
-          <a:chOff x="0" y="0"/>
-          <a:chExt cx="0" cy="0"/>
-        </a:xfrm>
-      </p:grpSpPr>
-      <p:sp>
-        <p:nvSpPr>
-          <p:cNvPr id="2" name="Title 1">
-            <a:extLst>
-              <a:ext uri="{FF2B5EF4-FFF2-40B4-BE49-F238E27FC236}">
-                <a16:creationId xmlns:a16="http://schemas.microsoft.com/office/drawing/2014/main" id="{35228988-839A-1801-F457-954CBC7E27CC}"/>
-              </a:ext>
-            </a:extLst>
-          </p:cNvPr>
-          <p:cNvSpPr>
-            <a:spLocks noGrp="1"/>
-          </p:cNvSpPr>
-          <p:nvPr>
-            <p:ph type="title"/>
-          </p:nvPr>
-        </p:nvSpPr>
-        <p:spPr/>
-        <p:txBody>
-          <a:bodyPr/>
-          <a:lstStyle/>
-          <a:p>
-            <a:r>
-              <a:rPr lang="en-US" dirty="0"/>
-              <a:t>Padding</a:t>
-            </a:r>
-          </a:p>
-        </p:txBody>
-      </p:sp>
-      <p:sp>
-        <p:nvSpPr>
-          <p:cNvPr id="3" name="Content Placeholder 2">
-            <a:extLst>
-              <a:ext uri="{FF2B5EF4-FFF2-40B4-BE49-F238E27FC236}">
-                <a16:creationId xmlns:a16="http://schemas.microsoft.com/office/drawing/2014/main" id="{1937B256-DC1A-31C0-E7E2-0711A88E4A2A}"/>
-              </a:ext>
-            </a:extLst>
-          </p:cNvPr>
-          <p:cNvSpPr>
-            <a:spLocks noGrp="1"/>
-          </p:cNvSpPr>
-          <p:nvPr>
-            <p:ph idx="1"/>
-          </p:nvPr>
-        </p:nvSpPr>
-        <p:spPr/>
-        <p:txBody>
-          <a:bodyPr/>
-          <a:lstStyle/>
-          <a:p>
-            <a:r>
-              <a:rPr lang="en-US" dirty="0"/>
-              <a:t>Padding makes each tokenized text record into a set length. </a:t>
-            </a:r>
-          </a:p>
-          <a:p>
-            <a:r>
-              <a:rPr lang="en-US" dirty="0"/>
-              <a:t>Padding adds 0s either at the end or at the beginning of the text to fill it. </a:t>
-            </a:r>
-          </a:p>
-          <a:p>
-            <a:r>
-              <a:rPr lang="en-US" dirty="0"/>
-              <a:t>For generation, we want to pad at the beginning, as we want the ‘next’ item. </a:t>
-            </a:r>
-          </a:p>
-        </p:txBody>
-      </p:sp>
-      <p:pic>
-        <p:nvPicPr>
-          <p:cNvPr id="3074" name="Picture 2" descr="Keras text preprocessing and image preprocessing - DWBI Technologies">
-            <a:extLst>
-              <a:ext uri="{FF2B5EF4-FFF2-40B4-BE49-F238E27FC236}">
-                <a16:creationId xmlns:a16="http://schemas.microsoft.com/office/drawing/2014/main" id="{17ADFC3D-CF04-51BD-AADE-BC118B4EF912}"/>
-              </a:ext>
-            </a:extLst>
-          </p:cNvPr>
-          <p:cNvPicPr>
-            <a:picLocks noChangeAspect="1" noChangeArrowheads="1"/>
-          </p:cNvPicPr>
-          <p:nvPr/>
-        </p:nvPicPr>
-        <p:blipFill>
-          <a:blip r:embed="rId2">
-            <a:extLst>
-              <a:ext uri="{28A0092B-C50C-407E-A947-70E740481C1C}">
-                <a14:useLocalDpi xmlns:a14="http://schemas.microsoft.com/office/drawing/2010/main" val="0"/>
-              </a:ext>
-            </a:extLst>
-          </a:blip>
-          <a:srcRect/>
-          <a:stretch>
-            <a:fillRect/>
-          </a:stretch>
-        </p:blipFill>
-        <p:spPr bwMode="auto">
-          <a:xfrm>
-            <a:off x="1802088" y="3429000"/>
-            <a:ext cx="8902255" cy="3373120"/>
-          </a:xfrm>
-          <a:prstGeom prst="rect">
-            <a:avLst/>
-          </a:prstGeom>
-          <a:noFill/>
-          <a:extLst>
-            <a:ext uri="{909E8E84-426E-40DD-AFC4-6F175D3DCCD1}">
-              <a14:hiddenFill xmlns:a14="http://schemas.microsoft.com/office/drawing/2010/main">
-                <a:solidFill>
-                  <a:srgbClr val="FFFFFF"/>
-                </a:solidFill>
-              </a14:hiddenFill>
-            </a:ext>
-          </a:extLst>
-        </p:spPr>
-      </p:pic>
-    </p:spTree>
-    <p:extLst>
-      <p:ext uri="{BB962C8B-B14F-4D97-AF65-F5344CB8AC3E}">
-        <p14:creationId xmlns:p14="http://schemas.microsoft.com/office/powerpoint/2010/main" val="2829426510"/>
       </p:ext>
     </p:extLst>
   </p:cSld>

--- a/reference_content/Slides/text_gen_lstm.pptx
+++ b/reference_content/Slides/text_gen_lstm.pptx
@@ -21,10 +21,12 @@
     <p:sldId id="265" r:id="rId15"/>
     <p:sldId id="266" r:id="rId16"/>
     <p:sldId id="267" r:id="rId17"/>
-    <p:sldId id="268" r:id="rId18"/>
-    <p:sldId id="275" r:id="rId19"/>
-    <p:sldId id="271" r:id="rId20"/>
-    <p:sldId id="269" r:id="rId21"/>
+    <p:sldId id="277" r:id="rId18"/>
+    <p:sldId id="268" r:id="rId19"/>
+    <p:sldId id="275" r:id="rId20"/>
+    <p:sldId id="271" r:id="rId21"/>
+    <p:sldId id="269" r:id="rId22"/>
+    <p:sldId id="276" r:id="rId23"/>
   </p:sldIdLst>
   <p:sldSz cx="12192000" cy="6858000"/>
   <p:notesSz cx="6858000" cy="9144000"/>
@@ -3700,7 +3702,7 @@
           <a:p>
             <a:r>
               <a:rPr lang="en-US" dirty="0"/>
-              <a:t>Project stuff – ask away if you have any questions. </a:t>
+              <a:t>Generative models. (Ch8, first part. Has a character-by-character example). </a:t>
             </a:r>
           </a:p>
           <a:p>
@@ -3720,6 +3722,13 @@
             <a:pPr lvl="1"/>
             <a:r>
               <a:rPr lang="en-US" dirty="0"/>
+              <a:t>Data preparation for generation – mostly manually. </a:t>
+            </a:r>
+          </a:p>
+          <a:p>
+            <a:pPr lvl="1"/>
+            <a:r>
+              <a:rPr lang="en-US" dirty="0"/>
               <a:t>Text padding. </a:t>
             </a:r>
           </a:p>
@@ -3735,6 +3744,12 @@
             <a:r>
               <a:rPr lang="en-US" dirty="0"/>
               <a:t>Temperature. </a:t>
+            </a:r>
+          </a:p>
+          <a:p>
+            <a:r>
+              <a:rPr lang="en-US" dirty="0"/>
+              <a:t>Go on summer vacation!</a:t>
             </a:r>
           </a:p>
         </p:txBody>
@@ -4839,6 +4854,92 @@
 </file>
 
 <file path=ppt/slides/slide17.xml><?xml version="1.0" encoding="utf-8"?>
+<p:sld xmlns:a="http://schemas.openxmlformats.org/drawingml/2006/main" xmlns:r="http://schemas.openxmlformats.org/officeDocument/2006/relationships" xmlns:p="http://schemas.openxmlformats.org/presentationml/2006/main" show="0">
+  <p:cSld>
+    <p:spTree>
+      <p:nvGrpSpPr>
+        <p:cNvPr id="1" name=""/>
+        <p:cNvGrpSpPr/>
+        <p:nvPr/>
+      </p:nvGrpSpPr>
+      <p:grpSpPr>
+        <a:xfrm>
+          <a:off x="0" y="0"/>
+          <a:ext cx="0" cy="0"/>
+          <a:chOff x="0" y="0"/>
+          <a:chExt cx="0" cy="0"/>
+        </a:xfrm>
+      </p:grpSpPr>
+      <p:sp>
+        <p:nvSpPr>
+          <p:cNvPr id="2" name="Title 1">
+            <a:extLst>
+              <a:ext uri="{FF2B5EF4-FFF2-40B4-BE49-F238E27FC236}">
+                <a16:creationId xmlns:a16="http://schemas.microsoft.com/office/drawing/2014/main" id="{0220443F-B075-C99E-41DB-6536F25C8C1A}"/>
+              </a:ext>
+            </a:extLst>
+          </p:cNvPr>
+          <p:cNvSpPr>
+            <a:spLocks noGrp="1"/>
+          </p:cNvSpPr>
+          <p:nvPr>
+            <p:ph type="title"/>
+          </p:nvPr>
+        </p:nvSpPr>
+        <p:spPr/>
+        <p:txBody>
+          <a:bodyPr/>
+          <a:lstStyle/>
+          <a:p>
+            <a:r>
+              <a:rPr lang="en-US" dirty="0"/>
+              <a:t>Response Selection</a:t>
+            </a:r>
+          </a:p>
+        </p:txBody>
+      </p:sp>
+      <p:sp>
+        <p:nvSpPr>
+          <p:cNvPr id="3" name="Content Placeholder 2">
+            <a:extLst>
+              <a:ext uri="{FF2B5EF4-FFF2-40B4-BE49-F238E27FC236}">
+                <a16:creationId xmlns:a16="http://schemas.microsoft.com/office/drawing/2014/main" id="{3260AF96-E9F8-0ACD-EDC8-FF9119321F69}"/>
+              </a:ext>
+            </a:extLst>
+          </p:cNvPr>
+          <p:cNvSpPr>
+            <a:spLocks noGrp="1"/>
+          </p:cNvSpPr>
+          <p:nvPr>
+            <p:ph idx="1"/>
+          </p:nvPr>
+        </p:nvSpPr>
+        <p:spPr/>
+        <p:txBody>
+          <a:bodyPr/>
+          <a:lstStyle/>
+          <a:p>
+            <a:r>
+              <a:rPr lang="en-US" dirty="0"/>
+              <a:t>In real usage, there are several strategies for this. </a:t>
+            </a:r>
+          </a:p>
+        </p:txBody>
+      </p:sp>
+    </p:spTree>
+    <p:extLst>
+      <p:ext uri="{BB962C8B-B14F-4D97-AF65-F5344CB8AC3E}">
+        <p14:creationId xmlns:p14="http://schemas.microsoft.com/office/powerpoint/2010/main" val="1186212703"/>
+      </p:ext>
+    </p:extLst>
+  </p:cSld>
+  <p:clrMapOvr>
+    <a:masterClrMapping/>
+  </p:clrMapOvr>
+</p:sld>
+</file>
+
+<file path=ppt/slides/slide18.xml><?xml version="1.0" encoding="utf-8"?>
 <p:sld xmlns:a="http://schemas.openxmlformats.org/drawingml/2006/main" xmlns:r="http://schemas.openxmlformats.org/officeDocument/2006/relationships" xmlns:p="http://schemas.openxmlformats.org/presentationml/2006/main">
   <p:cSld>
     <p:spTree>
@@ -5073,7 +5174,7 @@
 </p:sld>
 </file>
 
-<file path=ppt/slides/slide18.xml><?xml version="1.0" encoding="utf-8"?>
+<file path=ppt/slides/slide19.xml><?xml version="1.0" encoding="utf-8"?>
 <p:sld xmlns:a="http://schemas.openxmlformats.org/drawingml/2006/main" xmlns:r="http://schemas.openxmlformats.org/officeDocument/2006/relationships" xmlns:p="http://schemas.openxmlformats.org/presentationml/2006/main">
   <p:cSld>
     <p:spTree>
@@ -5136,8 +5237,8 @@
         </p:nvSpPr>
         <p:spPr>
           <a:xfrm>
-            <a:off x="4427620" y="2015732"/>
-            <a:ext cx="7764379" cy="4037749"/>
+            <a:off x="4427620" y="1853754"/>
+            <a:ext cx="7764379" cy="4199727"/>
           </a:xfrm>
         </p:spPr>
         <p:txBody>
@@ -5203,13 +5304,8 @@
             <a:pPr lvl="1"/>
             <a:r>
               <a:rPr lang="en-US" dirty="0"/>
-              <a:t>The model can learn its way out of this, but may </a:t>
-            </a:r>
-            <a:r>
-              <a:rPr lang="en-US"/>
-              <a:t>take time…</a:t>
-            </a:r>
-            <a:endParaRPr lang="en-US" dirty="0"/>
+              <a:t>The model can learn its way out of this, but may take time…</a:t>
+            </a:r>
           </a:p>
         </p:txBody>
       </p:sp>
@@ -5256,124 +5352,6 @@
 </p:sld>
 </file>
 
-<file path=ppt/slides/slide19.xml><?xml version="1.0" encoding="utf-8"?>
-<p:sld xmlns:a="http://schemas.openxmlformats.org/drawingml/2006/main" xmlns:r="http://schemas.openxmlformats.org/officeDocument/2006/relationships" xmlns:p="http://schemas.openxmlformats.org/presentationml/2006/main" show="0">
-  <p:cSld>
-    <p:spTree>
-      <p:nvGrpSpPr>
-        <p:cNvPr id="1" name=""/>
-        <p:cNvGrpSpPr/>
-        <p:nvPr/>
-      </p:nvGrpSpPr>
-      <p:grpSpPr>
-        <a:xfrm>
-          <a:off x="0" y="0"/>
-          <a:ext cx="0" cy="0"/>
-          <a:chOff x="0" y="0"/>
-          <a:chExt cx="0" cy="0"/>
-        </a:xfrm>
-      </p:grpSpPr>
-      <p:sp>
-        <p:nvSpPr>
-          <p:cNvPr id="2" name="Title 1">
-            <a:extLst>
-              <a:ext uri="{FF2B5EF4-FFF2-40B4-BE49-F238E27FC236}">
-                <a16:creationId xmlns:a16="http://schemas.microsoft.com/office/drawing/2014/main" id="{A15F3D55-0A10-173A-4C5F-D4088089678B}"/>
-              </a:ext>
-            </a:extLst>
-          </p:cNvPr>
-          <p:cNvSpPr>
-            <a:spLocks noGrp="1"/>
-          </p:cNvSpPr>
-          <p:nvPr>
-            <p:ph type="title"/>
-          </p:nvPr>
-        </p:nvSpPr>
-        <p:spPr/>
-        <p:txBody>
-          <a:bodyPr/>
-          <a:lstStyle/>
-          <a:p>
-            <a:r>
-              <a:rPr lang="en-US" dirty="0"/>
-              <a:t>In Real Usage…</a:t>
-            </a:r>
-          </a:p>
-        </p:txBody>
-      </p:sp>
-      <p:sp>
-        <p:nvSpPr>
-          <p:cNvPr id="3" name="Content Placeholder 2">
-            <a:extLst>
-              <a:ext uri="{FF2B5EF4-FFF2-40B4-BE49-F238E27FC236}">
-                <a16:creationId xmlns:a16="http://schemas.microsoft.com/office/drawing/2014/main" id="{C4449D56-0466-0D4B-4CCA-7B670BDC29EB}"/>
-              </a:ext>
-            </a:extLst>
-          </p:cNvPr>
-          <p:cNvSpPr>
-            <a:spLocks noGrp="1"/>
-          </p:cNvSpPr>
-          <p:nvPr>
-            <p:ph idx="1"/>
-          </p:nvPr>
-        </p:nvSpPr>
-        <p:spPr>
-          <a:xfrm>
-            <a:off x="1451579" y="2015732"/>
-            <a:ext cx="9603275" cy="4037749"/>
-          </a:xfrm>
-        </p:spPr>
-        <p:txBody>
-          <a:bodyPr/>
-          <a:lstStyle/>
-          <a:p>
-            <a:r>
-              <a:rPr lang="en-US" dirty="0"/>
-              <a:t>This is the basis of generating text in most cases. </a:t>
-            </a:r>
-          </a:p>
-          <a:p>
-            <a:r>
-              <a:rPr lang="en-US" dirty="0"/>
-              <a:t>Real applications add some other tactics:</a:t>
-            </a:r>
-          </a:p>
-          <a:p>
-            <a:pPr lvl="1"/>
-            <a:r>
-              <a:rPr lang="en-US" dirty="0"/>
-              <a:t>Custom prompt/response framing – e.g. a chatbot is setup so a question is an input and their response is a prediction. </a:t>
-            </a:r>
-          </a:p>
-          <a:p>
-            <a:pPr lvl="1"/>
-            <a:r>
-              <a:rPr lang="en-US" dirty="0"/>
-              <a:t>Reinforcement – feedback is provided by a human for good/bad, or better response. This helps tune the model. This can also be done live, e.g. do you accept or reject a response. </a:t>
-            </a:r>
-          </a:p>
-          <a:p>
-            <a:pPr lvl="1"/>
-            <a:r>
-              <a:rPr lang="en-US" dirty="0"/>
-              <a:t>Token variation – LLMs can use tokens that are smaller than a word. This helps since they need to understand sub-word things like a prefix. </a:t>
-            </a:r>
-          </a:p>
-        </p:txBody>
-      </p:sp>
-    </p:spTree>
-    <p:extLst>
-      <p:ext uri="{BB962C8B-B14F-4D97-AF65-F5344CB8AC3E}">
-        <p14:creationId xmlns:p14="http://schemas.microsoft.com/office/powerpoint/2010/main" val="1031140339"/>
-      </p:ext>
-    </p:extLst>
-  </p:cSld>
-  <p:clrMapOvr>
-    <a:masterClrMapping/>
-  </p:clrMapOvr>
-</p:sld>
-</file>
-
 <file path=ppt/slides/slide2.xml><?xml version="1.0" encoding="utf-8"?>
 <p:sld xmlns:a="http://schemas.openxmlformats.org/drawingml/2006/main" xmlns:r="http://schemas.openxmlformats.org/officeDocument/2006/relationships" xmlns:p="http://schemas.openxmlformats.org/presentationml/2006/main">
   <p:cSld>
@@ -5458,6 +5436,124 @@
 </file>
 
 <file path=ppt/slides/slide20.xml><?xml version="1.0" encoding="utf-8"?>
+<p:sld xmlns:a="http://schemas.openxmlformats.org/drawingml/2006/main" xmlns:r="http://schemas.openxmlformats.org/officeDocument/2006/relationships" xmlns:p="http://schemas.openxmlformats.org/presentationml/2006/main" show="0">
+  <p:cSld>
+    <p:spTree>
+      <p:nvGrpSpPr>
+        <p:cNvPr id="1" name=""/>
+        <p:cNvGrpSpPr/>
+        <p:nvPr/>
+      </p:nvGrpSpPr>
+      <p:grpSpPr>
+        <a:xfrm>
+          <a:off x="0" y="0"/>
+          <a:ext cx="0" cy="0"/>
+          <a:chOff x="0" y="0"/>
+          <a:chExt cx="0" cy="0"/>
+        </a:xfrm>
+      </p:grpSpPr>
+      <p:sp>
+        <p:nvSpPr>
+          <p:cNvPr id="2" name="Title 1">
+            <a:extLst>
+              <a:ext uri="{FF2B5EF4-FFF2-40B4-BE49-F238E27FC236}">
+                <a16:creationId xmlns:a16="http://schemas.microsoft.com/office/drawing/2014/main" id="{A15F3D55-0A10-173A-4C5F-D4088089678B}"/>
+              </a:ext>
+            </a:extLst>
+          </p:cNvPr>
+          <p:cNvSpPr>
+            <a:spLocks noGrp="1"/>
+          </p:cNvSpPr>
+          <p:nvPr>
+            <p:ph type="title"/>
+          </p:nvPr>
+        </p:nvSpPr>
+        <p:spPr/>
+        <p:txBody>
+          <a:bodyPr/>
+          <a:lstStyle/>
+          <a:p>
+            <a:r>
+              <a:rPr lang="en-US" dirty="0"/>
+              <a:t>In Real Usage…</a:t>
+            </a:r>
+          </a:p>
+        </p:txBody>
+      </p:sp>
+      <p:sp>
+        <p:nvSpPr>
+          <p:cNvPr id="3" name="Content Placeholder 2">
+            <a:extLst>
+              <a:ext uri="{FF2B5EF4-FFF2-40B4-BE49-F238E27FC236}">
+                <a16:creationId xmlns:a16="http://schemas.microsoft.com/office/drawing/2014/main" id="{C4449D56-0466-0D4B-4CCA-7B670BDC29EB}"/>
+              </a:ext>
+            </a:extLst>
+          </p:cNvPr>
+          <p:cNvSpPr>
+            <a:spLocks noGrp="1"/>
+          </p:cNvSpPr>
+          <p:nvPr>
+            <p:ph idx="1"/>
+          </p:nvPr>
+        </p:nvSpPr>
+        <p:spPr>
+          <a:xfrm>
+            <a:off x="1451579" y="2015732"/>
+            <a:ext cx="9603275" cy="4037749"/>
+          </a:xfrm>
+        </p:spPr>
+        <p:txBody>
+          <a:bodyPr/>
+          <a:lstStyle/>
+          <a:p>
+            <a:r>
+              <a:rPr lang="en-US" dirty="0"/>
+              <a:t>This is the basis of generating text in most cases. </a:t>
+            </a:r>
+          </a:p>
+          <a:p>
+            <a:r>
+              <a:rPr lang="en-US" dirty="0"/>
+              <a:t>Real applications add some other tactics:</a:t>
+            </a:r>
+          </a:p>
+          <a:p>
+            <a:pPr lvl="1"/>
+            <a:r>
+              <a:rPr lang="en-US" dirty="0"/>
+              <a:t>Custom prompt/response framing – e.g. a chatbot is setup so a question is an input and their response is a prediction. </a:t>
+            </a:r>
+          </a:p>
+          <a:p>
+            <a:pPr lvl="1"/>
+            <a:r>
+              <a:rPr lang="en-US" dirty="0"/>
+              <a:t>Reinforcement – feedback is provided by a human for good/bad, or better response. This helps tune the model. This can also be done live, e.g. do you accept or reject a response. </a:t>
+            </a:r>
+          </a:p>
+          <a:p>
+            <a:pPr lvl="1"/>
+            <a:r>
+              <a:rPr lang="en-US" dirty="0"/>
+              <a:t>Token variation – LLMs can use tokens that are smaller than a word. This helps since they need to understand sub-word things like a prefix. </a:t>
+            </a:r>
+          </a:p>
+        </p:txBody>
+      </p:sp>
+    </p:spTree>
+    <p:extLst>
+      <p:ext uri="{BB962C8B-B14F-4D97-AF65-F5344CB8AC3E}">
+        <p14:creationId xmlns:p14="http://schemas.microsoft.com/office/powerpoint/2010/main" val="1031140339"/>
+      </p:ext>
+    </p:extLst>
+  </p:cSld>
+  <p:clrMapOvr>
+    <a:masterClrMapping/>
+  </p:clrMapOvr>
+</p:sld>
+</file>
+
+<file path=ppt/slides/slide21.xml><?xml version="1.0" encoding="utf-8"?>
 <p:sld xmlns:a="http://schemas.openxmlformats.org/drawingml/2006/main" xmlns:r="http://schemas.openxmlformats.org/officeDocument/2006/relationships" xmlns:p="http://schemas.openxmlformats.org/presentationml/2006/main">
   <p:cSld>
     <p:spTree>
@@ -5585,6 +5681,179 @@
     <p:extLst>
       <p:ext uri="{BB962C8B-B14F-4D97-AF65-F5344CB8AC3E}">
         <p14:creationId xmlns:p14="http://schemas.microsoft.com/office/powerpoint/2010/main" val="2264685335"/>
+      </p:ext>
+    </p:extLst>
+  </p:cSld>
+  <p:clrMapOvr>
+    <a:masterClrMapping/>
+  </p:clrMapOvr>
+</p:sld>
+</file>
+
+<file path=ppt/slides/slide22.xml><?xml version="1.0" encoding="utf-8"?>
+<p:sld xmlns:a="http://schemas.openxmlformats.org/drawingml/2006/main" xmlns:r="http://schemas.openxmlformats.org/officeDocument/2006/relationships" xmlns:p="http://schemas.openxmlformats.org/presentationml/2006/main">
+  <p:cSld>
+    <p:spTree>
+      <p:nvGrpSpPr>
+        <p:cNvPr id="1" name=""/>
+        <p:cNvGrpSpPr/>
+        <p:nvPr/>
+      </p:nvGrpSpPr>
+      <p:grpSpPr>
+        <a:xfrm>
+          <a:off x="0" y="0"/>
+          <a:ext cx="0" cy="0"/>
+          <a:chOff x="0" y="0"/>
+          <a:chExt cx="0" cy="0"/>
+        </a:xfrm>
+      </p:grpSpPr>
+      <p:sp>
+        <p:nvSpPr>
+          <p:cNvPr id="2" name="Title 1">
+            <a:extLst>
+              <a:ext uri="{FF2B5EF4-FFF2-40B4-BE49-F238E27FC236}">
+                <a16:creationId xmlns:a16="http://schemas.microsoft.com/office/drawing/2014/main" id="{6D6CAAD0-25BC-7817-73CE-1C8EDBE7207B}"/>
+              </a:ext>
+            </a:extLst>
+          </p:cNvPr>
+          <p:cNvSpPr>
+            <a:spLocks noGrp="1"/>
+          </p:cNvSpPr>
+          <p:nvPr>
+            <p:ph type="title"/>
+          </p:nvPr>
+        </p:nvSpPr>
+        <p:spPr/>
+        <p:txBody>
+          <a:bodyPr/>
+          <a:lstStyle/>
+          <a:p>
+            <a:r>
+              <a:rPr lang="en-US" dirty="0"/>
+              <a:t>Do some Summer Stuff</a:t>
+            </a:r>
+          </a:p>
+        </p:txBody>
+      </p:sp>
+      <p:sp>
+        <p:nvSpPr>
+          <p:cNvPr id="3" name="Content Placeholder 2">
+            <a:extLst>
+              <a:ext uri="{FF2B5EF4-FFF2-40B4-BE49-F238E27FC236}">
+                <a16:creationId xmlns:a16="http://schemas.microsoft.com/office/drawing/2014/main" id="{73B41BB6-7938-5E21-62D5-3B9CA2F1C7BD}"/>
+              </a:ext>
+            </a:extLst>
+          </p:cNvPr>
+          <p:cNvSpPr>
+            <a:spLocks noGrp="1"/>
+          </p:cNvSpPr>
+          <p:nvPr>
+            <p:ph idx="1"/>
+          </p:nvPr>
+        </p:nvSpPr>
+        <p:spPr>
+          <a:xfrm>
+            <a:off x="1137146" y="1853754"/>
+            <a:ext cx="10214026" cy="4199727"/>
+          </a:xfrm>
+        </p:spPr>
+        <p:txBody>
+          <a:bodyPr>
+            <a:normAutofit/>
+          </a:bodyPr>
+          <a:lstStyle/>
+          <a:p>
+            <a:r>
+              <a:rPr lang="en-US" sz="2400" dirty="0"/>
+              <a:t>This isn’t generally the best time for hiring, but its also not very stable. </a:t>
+            </a:r>
+          </a:p>
+          <a:p>
+            <a:r>
+              <a:rPr lang="en-US" sz="2400" dirty="0"/>
+              <a:t>The best thing is probably to have some accomplishment/solution:</a:t>
+            </a:r>
+          </a:p>
+          <a:p>
+            <a:pPr lvl="1"/>
+            <a:r>
+              <a:rPr lang="en-US" sz="2000" dirty="0"/>
+              <a:t>Sample workbooks doing default stuff (is it CC fraud?) is ok, but not really useful. </a:t>
+            </a:r>
+          </a:p>
+          <a:p>
+            <a:pPr lvl="1"/>
+            <a:r>
+              <a:rPr lang="en-US" sz="2000" dirty="0"/>
+              <a:t>Something that is either </a:t>
+            </a:r>
+            <a:r>
+              <a:rPr lang="en-US" sz="2000" b="1" dirty="0"/>
+              <a:t>real</a:t>
+            </a:r>
+            <a:r>
+              <a:rPr lang="en-US" sz="2000" dirty="0"/>
+              <a:t> or </a:t>
+            </a:r>
+            <a:r>
+              <a:rPr lang="en-US" sz="2000" b="1" dirty="0"/>
+              <a:t>unique and realistic</a:t>
+            </a:r>
+            <a:r>
+              <a:rPr lang="en-US" sz="2000" dirty="0"/>
+              <a:t> is good. </a:t>
+            </a:r>
+          </a:p>
+          <a:p>
+            <a:pPr lvl="2"/>
+            <a:r>
+              <a:rPr lang="en-US" sz="1800" dirty="0"/>
+              <a:t>Real things are best, but they are kind of hard to come by. If you can, do it. </a:t>
+            </a:r>
+          </a:p>
+          <a:p>
+            <a:pPr lvl="2"/>
+            <a:r>
+              <a:rPr lang="en-US" sz="1800" dirty="0"/>
+              <a:t>Things are are unique or interesting are the best thing you can definitely do. </a:t>
+            </a:r>
+          </a:p>
+          <a:p>
+            <a:pPr lvl="1"/>
+            <a:r>
+              <a:rPr lang="en-US" sz="2000" dirty="0"/>
+              <a:t>I’d make 1 or 2 example workbooks on some topic I know, and make them nice. (RE?)</a:t>
+            </a:r>
+            <a:endParaRPr lang="en-US" sz="1800" dirty="0"/>
+          </a:p>
+          <a:p>
+            <a:pPr lvl="2"/>
+            <a:r>
+              <a:rPr lang="en-US" sz="1800" dirty="0"/>
+              <a:t>Focus on presentation – no one is searching for answers like I’m obligated to </a:t>
+            </a:r>
+            <a:r>
+              <a:rPr lang="en-US" sz="1800" dirty="0">
+                <a:sym typeface="Wingdings" pitchFamily="2" charset="2"/>
+              </a:rPr>
+              <a:t></a:t>
+            </a:r>
+          </a:p>
+          <a:p>
+            <a:r>
+              <a:rPr lang="en-US" sz="2200" dirty="0">
+                <a:sym typeface="Wingdings" pitchFamily="2" charset="2"/>
+              </a:rPr>
+              <a:t>Look for contracts, mat. leaves, as well as BI/rpt. jobs (ideally w/ other connection)</a:t>
+            </a:r>
+            <a:endParaRPr lang="en-US" sz="2200" dirty="0"/>
+          </a:p>
+        </p:txBody>
+      </p:sp>
+    </p:spTree>
+    <p:extLst>
+      <p:ext uri="{BB962C8B-B14F-4D97-AF65-F5344CB8AC3E}">
+        <p14:creationId xmlns:p14="http://schemas.microsoft.com/office/powerpoint/2010/main" val="3484527982"/>
       </p:ext>
     </p:extLst>
   </p:cSld>
